--- a/PowerPoint/Presentation_Capstone.pptx
+++ b/PowerPoint/Presentation_Capstone.pptx
@@ -5,20 +5,24 @@
     <p:sldMasterId id="2147483665" r:id="rId1"/>
   </p:sldMasterIdLst>
   <p:notesMasterIdLst>
-    <p:notesMasterId r:id="rId13"/>
+    <p:notesMasterId r:id="rId17"/>
   </p:notesMasterIdLst>
   <p:sldIdLst>
     <p:sldId id="256" r:id="rId2"/>
     <p:sldId id="257" r:id="rId3"/>
     <p:sldId id="258" r:id="rId4"/>
     <p:sldId id="259" r:id="rId5"/>
-    <p:sldId id="260" r:id="rId6"/>
-    <p:sldId id="261" r:id="rId7"/>
-    <p:sldId id="262" r:id="rId8"/>
-    <p:sldId id="263" r:id="rId9"/>
-    <p:sldId id="264" r:id="rId10"/>
-    <p:sldId id="265" r:id="rId11"/>
-    <p:sldId id="266" r:id="rId12"/>
+    <p:sldId id="267" r:id="rId6"/>
+    <p:sldId id="260" r:id="rId7"/>
+    <p:sldId id="261" r:id="rId8"/>
+    <p:sldId id="262" r:id="rId9"/>
+    <p:sldId id="268" r:id="rId10"/>
+    <p:sldId id="269" r:id="rId11"/>
+    <p:sldId id="270" r:id="rId12"/>
+    <p:sldId id="263" r:id="rId13"/>
+    <p:sldId id="264" r:id="rId14"/>
+    <p:sldId id="265" r:id="rId15"/>
+    <p:sldId id="266" r:id="rId16"/>
   </p:sldIdLst>
   <p:sldSz cx="43891200" cy="32918400"/>
   <p:notesSz cx="9144000" cy="6858000"/>
@@ -809,7 +813,7 @@
   <p:cSld>
     <p:spTree>
       <p:nvGrpSpPr>
-        <p:cNvPr id="1" name="Shape 252"/>
+        <p:cNvPr id="1" name="Shape 219"/>
         <p:cNvGrpSpPr/>
         <p:nvPr/>
       </p:nvGrpSpPr>
@@ -823,7 +827,7 @@
       </p:grpSpPr>
       <p:sp>
         <p:nvSpPr>
-          <p:cNvPr id="253" name="Google Shape;253;p8:notes"/>
+          <p:cNvPr id="220" name="Google Shape;220;p5:notes"/>
           <p:cNvSpPr txBox="1">
             <a:spLocks noGrp="1"/>
           </p:cNvSpPr>
@@ -861,7 +865,225 @@
       </p:sp>
       <p:sp>
         <p:nvSpPr>
-          <p:cNvPr id="254" name="Google Shape;254;p8:notes"/>
+          <p:cNvPr id="221" name="Google Shape;221;p5:notes"/>
+          <p:cNvSpPr>
+            <a:spLocks noGrp="1" noRot="1" noChangeAspect="1"/>
+          </p:cNvSpPr>
+          <p:nvPr>
+            <p:ph type="sldImg" idx="2"/>
+          </p:nvPr>
+        </p:nvSpPr>
+        <p:spPr>
+          <a:xfrm>
+            <a:off x="2857500" y="514350"/>
+            <a:ext cx="3429000" cy="2571750"/>
+          </a:xfrm>
+          <a:custGeom>
+            <a:avLst/>
+            <a:gdLst/>
+            <a:ahLst/>
+            <a:cxnLst/>
+            <a:rect l="l" t="t" r="r" b="b"/>
+            <a:pathLst>
+              <a:path w="120000" h="120000" extrusionOk="0">
+                <a:moveTo>
+                  <a:pt x="0" y="0"/>
+                </a:moveTo>
+                <a:lnTo>
+                  <a:pt x="120000" y="0"/>
+                </a:lnTo>
+                <a:lnTo>
+                  <a:pt x="120000" y="120000"/>
+                </a:lnTo>
+                <a:lnTo>
+                  <a:pt x="0" y="120000"/>
+                </a:lnTo>
+                <a:close/>
+              </a:path>
+            </a:pathLst>
+          </a:custGeom>
+        </p:spPr>
+      </p:sp>
+    </p:spTree>
+    <p:extLst>
+      <p:ext uri="{BB962C8B-B14F-4D97-AF65-F5344CB8AC3E}">
+        <p14:creationId xmlns:p14="http://schemas.microsoft.com/office/powerpoint/2010/main" val="898127688"/>
+      </p:ext>
+    </p:extLst>
+  </p:cSld>
+  <p:clrMapOvr>
+    <a:masterClrMapping/>
+  </p:clrMapOvr>
+</p:notes>
+</file>
+
+<file path=ppt/notesSlides/notesSlide11.xml><?xml version="1.0" encoding="utf-8"?>
+<p:notes xmlns:a="http://schemas.openxmlformats.org/drawingml/2006/main" xmlns:r="http://schemas.openxmlformats.org/officeDocument/2006/relationships" xmlns:p="http://schemas.openxmlformats.org/presentationml/2006/main" showMasterSp="0" showMasterPhAnim="0">
+  <p:cSld>
+    <p:spTree>
+      <p:nvGrpSpPr>
+        <p:cNvPr id="1" name="Shape 219"/>
+        <p:cNvGrpSpPr/>
+        <p:nvPr/>
+      </p:nvGrpSpPr>
+      <p:grpSpPr>
+        <a:xfrm>
+          <a:off x="0" y="0"/>
+          <a:ext cx="0" cy="0"/>
+          <a:chOff x="0" y="0"/>
+          <a:chExt cx="0" cy="0"/>
+        </a:xfrm>
+      </p:grpSpPr>
+      <p:sp>
+        <p:nvSpPr>
+          <p:cNvPr id="220" name="Google Shape;220;p5:notes"/>
+          <p:cNvSpPr txBox="1">
+            <a:spLocks noGrp="1"/>
+          </p:cNvSpPr>
+          <p:nvPr>
+            <p:ph type="body" idx="1"/>
+          </p:nvPr>
+        </p:nvSpPr>
+        <p:spPr>
+          <a:xfrm>
+            <a:off x="914400" y="3257550"/>
+            <a:ext cx="7315200" cy="3086100"/>
+          </a:xfrm>
+          <a:prstGeom prst="rect">
+            <a:avLst/>
+          </a:prstGeom>
+        </p:spPr>
+        <p:txBody>
+          <a:bodyPr spcFirstLastPara="1" wrap="square" lIns="91425" tIns="91425" rIns="91425" bIns="91425" anchor="t" anchorCtr="0">
+            <a:noAutofit/>
+          </a:bodyPr>
+          <a:lstStyle/>
+          <a:p>
+            <a:pPr marL="0" lvl="0" indent="0" algn="l" rtl="0">
+              <a:spcBef>
+                <a:spcPts val="0"/>
+              </a:spcBef>
+              <a:spcAft>
+                <a:spcPts val="0"/>
+              </a:spcAft>
+              <a:buNone/>
+            </a:pPr>
+            <a:endParaRPr/>
+          </a:p>
+        </p:txBody>
+      </p:sp>
+      <p:sp>
+        <p:nvSpPr>
+          <p:cNvPr id="221" name="Google Shape;221;p5:notes"/>
+          <p:cNvSpPr>
+            <a:spLocks noGrp="1" noRot="1" noChangeAspect="1"/>
+          </p:cNvSpPr>
+          <p:nvPr>
+            <p:ph type="sldImg" idx="2"/>
+          </p:nvPr>
+        </p:nvSpPr>
+        <p:spPr>
+          <a:xfrm>
+            <a:off x="2857500" y="514350"/>
+            <a:ext cx="3429000" cy="2571750"/>
+          </a:xfrm>
+          <a:custGeom>
+            <a:avLst/>
+            <a:gdLst/>
+            <a:ahLst/>
+            <a:cxnLst/>
+            <a:rect l="l" t="t" r="r" b="b"/>
+            <a:pathLst>
+              <a:path w="120000" h="120000" extrusionOk="0">
+                <a:moveTo>
+                  <a:pt x="0" y="0"/>
+                </a:moveTo>
+                <a:lnTo>
+                  <a:pt x="120000" y="0"/>
+                </a:lnTo>
+                <a:lnTo>
+                  <a:pt x="120000" y="120000"/>
+                </a:lnTo>
+                <a:lnTo>
+                  <a:pt x="0" y="120000"/>
+                </a:lnTo>
+                <a:close/>
+              </a:path>
+            </a:pathLst>
+          </a:custGeom>
+        </p:spPr>
+      </p:sp>
+    </p:spTree>
+    <p:extLst>
+      <p:ext uri="{BB962C8B-B14F-4D97-AF65-F5344CB8AC3E}">
+        <p14:creationId xmlns:p14="http://schemas.microsoft.com/office/powerpoint/2010/main" val="3079254686"/>
+      </p:ext>
+    </p:extLst>
+  </p:cSld>
+  <p:clrMapOvr>
+    <a:masterClrMapping/>
+  </p:clrMapOvr>
+</p:notes>
+</file>
+
+<file path=ppt/notesSlides/notesSlide12.xml><?xml version="1.0" encoding="utf-8"?>
+<p:notes xmlns:a="http://schemas.openxmlformats.org/drawingml/2006/main" xmlns:r="http://schemas.openxmlformats.org/officeDocument/2006/relationships" xmlns:p="http://schemas.openxmlformats.org/presentationml/2006/main" showMasterSp="0" showMasterPhAnim="0">
+  <p:cSld>
+    <p:spTree>
+      <p:nvGrpSpPr>
+        <p:cNvPr id="1" name="Shape 230"/>
+        <p:cNvGrpSpPr/>
+        <p:nvPr/>
+      </p:nvGrpSpPr>
+      <p:grpSpPr>
+        <a:xfrm>
+          <a:off x="0" y="0"/>
+          <a:ext cx="0" cy="0"/>
+          <a:chOff x="0" y="0"/>
+          <a:chExt cx="0" cy="0"/>
+        </a:xfrm>
+      </p:grpSpPr>
+      <p:sp>
+        <p:nvSpPr>
+          <p:cNvPr id="231" name="Google Shape;231;p6:notes"/>
+          <p:cNvSpPr txBox="1">
+            <a:spLocks noGrp="1"/>
+          </p:cNvSpPr>
+          <p:nvPr>
+            <p:ph type="body" idx="1"/>
+          </p:nvPr>
+        </p:nvSpPr>
+        <p:spPr>
+          <a:xfrm>
+            <a:off x="914400" y="3257550"/>
+            <a:ext cx="7315200" cy="3086100"/>
+          </a:xfrm>
+          <a:prstGeom prst="rect">
+            <a:avLst/>
+          </a:prstGeom>
+        </p:spPr>
+        <p:txBody>
+          <a:bodyPr spcFirstLastPara="1" wrap="square" lIns="91425" tIns="91425" rIns="91425" bIns="91425" anchor="t" anchorCtr="0">
+            <a:noAutofit/>
+          </a:bodyPr>
+          <a:lstStyle/>
+          <a:p>
+            <a:pPr marL="0" lvl="0" indent="0" algn="l" rtl="0">
+              <a:spcBef>
+                <a:spcPts val="0"/>
+              </a:spcBef>
+              <a:spcAft>
+                <a:spcPts val="0"/>
+              </a:spcAft>
+              <a:buNone/>
+            </a:pPr>
+            <a:endParaRPr/>
+          </a:p>
+        </p:txBody>
+      </p:sp>
+      <p:sp>
+        <p:nvSpPr>
+          <p:cNvPr id="232" name="Google Shape;232;p6:notes"/>
           <p:cNvSpPr>
             <a:spLocks noGrp="1" noRot="1" noChangeAspect="1"/>
           </p:cNvSpPr>
@@ -908,7 +1130,215 @@
 </p:notes>
 </file>
 
-<file path=ppt/notesSlides/notesSlide11.xml><?xml version="1.0" encoding="utf-8"?>
+<file path=ppt/notesSlides/notesSlide13.xml><?xml version="1.0" encoding="utf-8"?>
+<p:notes xmlns:a="http://schemas.openxmlformats.org/drawingml/2006/main" xmlns:r="http://schemas.openxmlformats.org/officeDocument/2006/relationships" xmlns:p="http://schemas.openxmlformats.org/presentationml/2006/main" showMasterSp="0" showMasterPhAnim="0">
+  <p:cSld>
+    <p:spTree>
+      <p:nvGrpSpPr>
+        <p:cNvPr id="1" name="Shape 241"/>
+        <p:cNvGrpSpPr/>
+        <p:nvPr/>
+      </p:nvGrpSpPr>
+      <p:grpSpPr>
+        <a:xfrm>
+          <a:off x="0" y="0"/>
+          <a:ext cx="0" cy="0"/>
+          <a:chOff x="0" y="0"/>
+          <a:chExt cx="0" cy="0"/>
+        </a:xfrm>
+      </p:grpSpPr>
+      <p:sp>
+        <p:nvSpPr>
+          <p:cNvPr id="242" name="Google Shape;242;p7:notes"/>
+          <p:cNvSpPr txBox="1">
+            <a:spLocks noGrp="1"/>
+          </p:cNvSpPr>
+          <p:nvPr>
+            <p:ph type="body" idx="1"/>
+          </p:nvPr>
+        </p:nvSpPr>
+        <p:spPr>
+          <a:xfrm>
+            <a:off x="914400" y="3257550"/>
+            <a:ext cx="7315200" cy="3086100"/>
+          </a:xfrm>
+          <a:prstGeom prst="rect">
+            <a:avLst/>
+          </a:prstGeom>
+        </p:spPr>
+        <p:txBody>
+          <a:bodyPr spcFirstLastPara="1" wrap="square" lIns="91425" tIns="91425" rIns="91425" bIns="91425" anchor="t" anchorCtr="0">
+            <a:noAutofit/>
+          </a:bodyPr>
+          <a:lstStyle/>
+          <a:p>
+            <a:pPr marL="0" lvl="0" indent="0" algn="l" rtl="0">
+              <a:spcBef>
+                <a:spcPts val="0"/>
+              </a:spcBef>
+              <a:spcAft>
+                <a:spcPts val="0"/>
+              </a:spcAft>
+              <a:buNone/>
+            </a:pPr>
+            <a:endParaRPr/>
+          </a:p>
+        </p:txBody>
+      </p:sp>
+      <p:sp>
+        <p:nvSpPr>
+          <p:cNvPr id="243" name="Google Shape;243;p7:notes"/>
+          <p:cNvSpPr>
+            <a:spLocks noGrp="1" noRot="1" noChangeAspect="1"/>
+          </p:cNvSpPr>
+          <p:nvPr>
+            <p:ph type="sldImg" idx="2"/>
+          </p:nvPr>
+        </p:nvSpPr>
+        <p:spPr>
+          <a:xfrm>
+            <a:off x="1524300" y="514350"/>
+            <a:ext cx="6096300" cy="2571750"/>
+          </a:xfrm>
+          <a:custGeom>
+            <a:avLst/>
+            <a:gdLst/>
+            <a:ahLst/>
+            <a:cxnLst/>
+            <a:rect l="l" t="t" r="r" b="b"/>
+            <a:pathLst>
+              <a:path w="120000" h="120000" extrusionOk="0">
+                <a:moveTo>
+                  <a:pt x="0" y="0"/>
+                </a:moveTo>
+                <a:lnTo>
+                  <a:pt x="120000" y="0"/>
+                </a:lnTo>
+                <a:lnTo>
+                  <a:pt x="120000" y="120000"/>
+                </a:lnTo>
+                <a:lnTo>
+                  <a:pt x="0" y="120000"/>
+                </a:lnTo>
+                <a:close/>
+              </a:path>
+            </a:pathLst>
+          </a:custGeom>
+        </p:spPr>
+      </p:sp>
+    </p:spTree>
+  </p:cSld>
+  <p:clrMapOvr>
+    <a:masterClrMapping/>
+  </p:clrMapOvr>
+</p:notes>
+</file>
+
+<file path=ppt/notesSlides/notesSlide14.xml><?xml version="1.0" encoding="utf-8"?>
+<p:notes xmlns:a="http://schemas.openxmlformats.org/drawingml/2006/main" xmlns:r="http://schemas.openxmlformats.org/officeDocument/2006/relationships" xmlns:p="http://schemas.openxmlformats.org/presentationml/2006/main" showMasterSp="0" showMasterPhAnim="0">
+  <p:cSld>
+    <p:spTree>
+      <p:nvGrpSpPr>
+        <p:cNvPr id="1" name="Shape 252"/>
+        <p:cNvGrpSpPr/>
+        <p:nvPr/>
+      </p:nvGrpSpPr>
+      <p:grpSpPr>
+        <a:xfrm>
+          <a:off x="0" y="0"/>
+          <a:ext cx="0" cy="0"/>
+          <a:chOff x="0" y="0"/>
+          <a:chExt cx="0" cy="0"/>
+        </a:xfrm>
+      </p:grpSpPr>
+      <p:sp>
+        <p:nvSpPr>
+          <p:cNvPr id="253" name="Google Shape;253;p8:notes"/>
+          <p:cNvSpPr txBox="1">
+            <a:spLocks noGrp="1"/>
+          </p:cNvSpPr>
+          <p:nvPr>
+            <p:ph type="body" idx="1"/>
+          </p:nvPr>
+        </p:nvSpPr>
+        <p:spPr>
+          <a:xfrm>
+            <a:off x="914400" y="3257550"/>
+            <a:ext cx="7315200" cy="3086100"/>
+          </a:xfrm>
+          <a:prstGeom prst="rect">
+            <a:avLst/>
+          </a:prstGeom>
+        </p:spPr>
+        <p:txBody>
+          <a:bodyPr spcFirstLastPara="1" wrap="square" lIns="91425" tIns="91425" rIns="91425" bIns="91425" anchor="t" anchorCtr="0">
+            <a:noAutofit/>
+          </a:bodyPr>
+          <a:lstStyle/>
+          <a:p>
+            <a:pPr marL="0" lvl="0" indent="0" algn="l" rtl="0">
+              <a:spcBef>
+                <a:spcPts val="0"/>
+              </a:spcBef>
+              <a:spcAft>
+                <a:spcPts val="0"/>
+              </a:spcAft>
+              <a:buNone/>
+            </a:pPr>
+            <a:endParaRPr/>
+          </a:p>
+        </p:txBody>
+      </p:sp>
+      <p:sp>
+        <p:nvSpPr>
+          <p:cNvPr id="254" name="Google Shape;254;p8:notes"/>
+          <p:cNvSpPr>
+            <a:spLocks noGrp="1" noRot="1" noChangeAspect="1"/>
+          </p:cNvSpPr>
+          <p:nvPr>
+            <p:ph type="sldImg" idx="2"/>
+          </p:nvPr>
+        </p:nvSpPr>
+        <p:spPr>
+          <a:xfrm>
+            <a:off x="2857500" y="514350"/>
+            <a:ext cx="3429000" cy="2571750"/>
+          </a:xfrm>
+          <a:custGeom>
+            <a:avLst/>
+            <a:gdLst/>
+            <a:ahLst/>
+            <a:cxnLst/>
+            <a:rect l="l" t="t" r="r" b="b"/>
+            <a:pathLst>
+              <a:path w="120000" h="120000" extrusionOk="0">
+                <a:moveTo>
+                  <a:pt x="0" y="0"/>
+                </a:moveTo>
+                <a:lnTo>
+                  <a:pt x="120000" y="0"/>
+                </a:lnTo>
+                <a:lnTo>
+                  <a:pt x="120000" y="120000"/>
+                </a:lnTo>
+                <a:lnTo>
+                  <a:pt x="0" y="120000"/>
+                </a:lnTo>
+                <a:close/>
+              </a:path>
+            </a:pathLst>
+          </a:custGeom>
+        </p:spPr>
+      </p:sp>
+    </p:spTree>
+  </p:cSld>
+  <p:clrMapOvr>
+    <a:masterClrMapping/>
+  </p:clrMapOvr>
+</p:notes>
+</file>
+
+<file path=ppt/notesSlides/notesSlide15.xml><?xml version="1.0" encoding="utf-8"?>
 <p:notes xmlns:a="http://schemas.openxmlformats.org/drawingml/2006/main" xmlns:r="http://schemas.openxmlformats.org/officeDocument/2006/relationships" xmlns:p="http://schemas.openxmlformats.org/presentationml/2006/main" showMasterSp="0" showMasterPhAnim="0">
   <p:cSld>
     <p:spTree>
@@ -1183,8 +1613,8 @@
         </p:nvSpPr>
         <p:spPr>
           <a:xfrm>
-            <a:off x="1524300" y="514350"/>
-            <a:ext cx="6096300" cy="2571750"/>
+            <a:off x="2857500" y="514350"/>
+            <a:ext cx="3429000" cy="2571750"/>
           </a:xfrm>
           <a:custGeom>
             <a:avLst/>
@@ -1287,8 +1717,8 @@
         </p:nvSpPr>
         <p:spPr>
           <a:xfrm>
-            <a:off x="1524300" y="514350"/>
-            <a:ext cx="6096300" cy="2571600"/>
+            <a:off x="2857500" y="514350"/>
+            <a:ext cx="3429000" cy="2571750"/>
           </a:xfrm>
           <a:custGeom>
             <a:avLst/>
@@ -1329,7 +1759,7 @@
   <p:cSld>
     <p:spTree>
       <p:nvGrpSpPr>
-        <p:cNvPr id="1" name="Shape 197"/>
+        <p:cNvPr id="1" name="Shape 186"/>
         <p:cNvGrpSpPr/>
         <p:nvPr/>
       </p:nvGrpSpPr>
@@ -1343,7 +1773,7 @@
       </p:grpSpPr>
       <p:sp>
         <p:nvSpPr>
-          <p:cNvPr id="198" name="Google Shape;198;ge48485b536_0_0:notes"/>
+          <p:cNvPr id="187" name="Google Shape;187;ge48485b536_0_10:notes"/>
           <p:cNvSpPr txBox="1">
             <a:spLocks noGrp="1"/>
           </p:cNvSpPr>
@@ -1381,7 +1811,7 @@
       </p:sp>
       <p:sp>
         <p:nvSpPr>
-          <p:cNvPr id="199" name="Google Shape;199;ge48485b536_0_0:notes"/>
+          <p:cNvPr id="188" name="Google Shape;188;ge48485b536_0_10:notes"/>
           <p:cNvSpPr>
             <a:spLocks noGrp="1" noRot="1" noChangeAspect="1"/>
           </p:cNvSpPr>
@@ -1391,8 +1821,8 @@
         </p:nvSpPr>
         <p:spPr>
           <a:xfrm>
-            <a:off x="1524300" y="514350"/>
-            <a:ext cx="6096300" cy="2571600"/>
+            <a:off x="2857500" y="514350"/>
+            <a:ext cx="3429000" cy="2571750"/>
           </a:xfrm>
           <a:custGeom>
             <a:avLst/>
@@ -1421,6 +1851,11 @@
         </p:spPr>
       </p:sp>
     </p:spTree>
+    <p:extLst>
+      <p:ext uri="{BB962C8B-B14F-4D97-AF65-F5344CB8AC3E}">
+        <p14:creationId xmlns:p14="http://schemas.microsoft.com/office/powerpoint/2010/main" val="3675272779"/>
+      </p:ext>
+    </p:extLst>
   </p:cSld>
   <p:clrMapOvr>
     <a:masterClrMapping/>
@@ -1433,7 +1868,7 @@
   <p:cSld>
     <p:spTree>
       <p:nvGrpSpPr>
-        <p:cNvPr id="1" name="Shape 208"/>
+        <p:cNvPr id="1" name="Shape 197"/>
         <p:cNvGrpSpPr/>
         <p:nvPr/>
       </p:nvGrpSpPr>
@@ -1447,7 +1882,7 @@
       </p:grpSpPr>
       <p:sp>
         <p:nvSpPr>
-          <p:cNvPr id="209" name="Google Shape;209;p4:notes"/>
+          <p:cNvPr id="198" name="Google Shape;198;ge48485b536_0_0:notes"/>
           <p:cNvSpPr txBox="1">
             <a:spLocks noGrp="1"/>
           </p:cNvSpPr>
@@ -1485,7 +1920,7 @@
       </p:sp>
       <p:sp>
         <p:nvSpPr>
-          <p:cNvPr id="210" name="Google Shape;210;p4:notes"/>
+          <p:cNvPr id="199" name="Google Shape;199;ge48485b536_0_0:notes"/>
           <p:cNvSpPr>
             <a:spLocks noGrp="1" noRot="1" noChangeAspect="1"/>
           </p:cNvSpPr>
@@ -1495,8 +1930,8 @@
         </p:nvSpPr>
         <p:spPr>
           <a:xfrm>
-            <a:off x="1524300" y="514350"/>
-            <a:ext cx="6096300" cy="2571750"/>
+            <a:off x="2857500" y="514350"/>
+            <a:ext cx="3429000" cy="2571750"/>
           </a:xfrm>
           <a:custGeom>
             <a:avLst/>
@@ -1537,7 +1972,7 @@
   <p:cSld>
     <p:spTree>
       <p:nvGrpSpPr>
-        <p:cNvPr id="1" name="Shape 219"/>
+        <p:cNvPr id="1" name="Shape 208"/>
         <p:cNvGrpSpPr/>
         <p:nvPr/>
       </p:nvGrpSpPr>
@@ -1551,7 +1986,7 @@
       </p:grpSpPr>
       <p:sp>
         <p:nvSpPr>
-          <p:cNvPr id="220" name="Google Shape;220;p5:notes"/>
+          <p:cNvPr id="209" name="Google Shape;209;p4:notes"/>
           <p:cNvSpPr txBox="1">
             <a:spLocks noGrp="1"/>
           </p:cNvSpPr>
@@ -1589,7 +2024,7 @@
       </p:sp>
       <p:sp>
         <p:nvSpPr>
-          <p:cNvPr id="221" name="Google Shape;221;p5:notes"/>
+          <p:cNvPr id="210" name="Google Shape;210;p4:notes"/>
           <p:cNvSpPr>
             <a:spLocks noGrp="1" noRot="1" noChangeAspect="1"/>
           </p:cNvSpPr>
@@ -1599,8 +2034,8 @@
         </p:nvSpPr>
         <p:spPr>
           <a:xfrm>
-            <a:off x="1524300" y="514350"/>
-            <a:ext cx="6096300" cy="2571750"/>
+            <a:off x="2857500" y="514350"/>
+            <a:ext cx="3429000" cy="2571750"/>
           </a:xfrm>
           <a:custGeom>
             <a:avLst/>
@@ -1641,7 +2076,7 @@
   <p:cSld>
     <p:spTree>
       <p:nvGrpSpPr>
-        <p:cNvPr id="1" name="Shape 230"/>
+        <p:cNvPr id="1" name="Shape 219"/>
         <p:cNvGrpSpPr/>
         <p:nvPr/>
       </p:nvGrpSpPr>
@@ -1655,7 +2090,7 @@
       </p:grpSpPr>
       <p:sp>
         <p:nvSpPr>
-          <p:cNvPr id="231" name="Google Shape;231;p6:notes"/>
+          <p:cNvPr id="220" name="Google Shape;220;p5:notes"/>
           <p:cNvSpPr txBox="1">
             <a:spLocks noGrp="1"/>
           </p:cNvSpPr>
@@ -1693,7 +2128,7 @@
       </p:sp>
       <p:sp>
         <p:nvSpPr>
-          <p:cNvPr id="232" name="Google Shape;232;p6:notes"/>
+          <p:cNvPr id="221" name="Google Shape;221;p5:notes"/>
           <p:cNvSpPr>
             <a:spLocks noGrp="1" noRot="1" noChangeAspect="1"/>
           </p:cNvSpPr>
@@ -1703,8 +2138,8 @@
         </p:nvSpPr>
         <p:spPr>
           <a:xfrm>
-            <a:off x="1524300" y="514350"/>
-            <a:ext cx="6096300" cy="2571750"/>
+            <a:off x="2857500" y="514350"/>
+            <a:ext cx="3429000" cy="2571750"/>
           </a:xfrm>
           <a:custGeom>
             <a:avLst/>
@@ -1745,7 +2180,7 @@
   <p:cSld>
     <p:spTree>
       <p:nvGrpSpPr>
-        <p:cNvPr id="1" name="Shape 241"/>
+        <p:cNvPr id="1" name="Shape 219"/>
         <p:cNvGrpSpPr/>
         <p:nvPr/>
       </p:nvGrpSpPr>
@@ -1759,7 +2194,7 @@
       </p:grpSpPr>
       <p:sp>
         <p:nvSpPr>
-          <p:cNvPr id="242" name="Google Shape;242;p7:notes"/>
+          <p:cNvPr id="220" name="Google Shape;220;p5:notes"/>
           <p:cNvSpPr txBox="1">
             <a:spLocks noGrp="1"/>
           </p:cNvSpPr>
@@ -1797,7 +2232,7 @@
       </p:sp>
       <p:sp>
         <p:nvSpPr>
-          <p:cNvPr id="243" name="Google Shape;243;p7:notes"/>
+          <p:cNvPr id="221" name="Google Shape;221;p5:notes"/>
           <p:cNvSpPr>
             <a:spLocks noGrp="1" noRot="1" noChangeAspect="1"/>
           </p:cNvSpPr>
@@ -1807,8 +2242,8 @@
         </p:nvSpPr>
         <p:spPr>
           <a:xfrm>
-            <a:off x="1524300" y="514350"/>
-            <a:ext cx="6096300" cy="2571750"/>
+            <a:off x="2857500" y="514350"/>
+            <a:ext cx="3429000" cy="2571750"/>
           </a:xfrm>
           <a:custGeom>
             <a:avLst/>
@@ -1837,6 +2272,11 @@
         </p:spPr>
       </p:sp>
     </p:spTree>
+    <p:extLst>
+      <p:ext uri="{BB962C8B-B14F-4D97-AF65-F5344CB8AC3E}">
+        <p14:creationId xmlns:p14="http://schemas.microsoft.com/office/powerpoint/2010/main" val="3455490645"/>
+      </p:ext>
+    </p:extLst>
   </p:cSld>
   <p:clrMapOvr>
     <a:masterClrMapping/>
@@ -19655,6 +20095,1431 @@
   <p:cSld>
     <p:spTree>
       <p:nvGrpSpPr>
+        <p:cNvPr id="1" name="Shape 222"/>
+        <p:cNvGrpSpPr/>
+        <p:nvPr/>
+      </p:nvGrpSpPr>
+      <p:grpSpPr>
+        <a:xfrm>
+          <a:off x="0" y="0"/>
+          <a:ext cx="0" cy="0"/>
+          <a:chOff x="0" y="0"/>
+          <a:chExt cx="0" cy="0"/>
+        </a:xfrm>
+      </p:grpSpPr>
+      <p:sp>
+        <p:nvSpPr>
+          <p:cNvPr id="223" name="Google Shape;223;p25"/>
+          <p:cNvSpPr/>
+          <p:nvPr/>
+        </p:nvSpPr>
+        <p:spPr>
+          <a:xfrm>
+            <a:off x="0" y="0"/>
+            <a:ext cx="43891199" cy="4389120"/>
+          </a:xfrm>
+          <a:prstGeom prst="rect">
+            <a:avLst/>
+          </a:prstGeom>
+          <a:solidFill>
+            <a:srgbClr val="840F0E"/>
+          </a:solidFill>
+          <a:ln w="19050" cap="rnd" cmpd="sng">
+            <a:solidFill>
+              <a:srgbClr val="800F0D"/>
+            </a:solidFill>
+            <a:prstDash val="solid"/>
+            <a:round/>
+            <a:headEnd type="none" w="sm" len="sm"/>
+            <a:tailEnd type="none" w="sm" len="sm"/>
+          </a:ln>
+        </p:spPr>
+        <p:txBody>
+          <a:bodyPr spcFirstLastPara="1" wrap="square" lIns="91425" tIns="45700" rIns="91425" bIns="45700" anchor="ctr" anchorCtr="0">
+            <a:noAutofit/>
+          </a:bodyPr>
+          <a:lstStyle/>
+          <a:p>
+            <a:pPr marL="0" marR="0" lvl="0" indent="0" algn="ctr" rtl="0">
+              <a:spcBef>
+                <a:spcPts val="0"/>
+              </a:spcBef>
+              <a:spcAft>
+                <a:spcPts val="0"/>
+              </a:spcAft>
+              <a:buNone/>
+            </a:pPr>
+            <a:endParaRPr sz="1800">
+              <a:solidFill>
+                <a:schemeClr val="lt1"/>
+              </a:solidFill>
+              <a:latin typeface="Arial"/>
+              <a:ea typeface="Arial"/>
+              <a:cs typeface="Arial"/>
+              <a:sym typeface="Arial"/>
+            </a:endParaRPr>
+          </a:p>
+        </p:txBody>
+      </p:sp>
+      <p:sp>
+        <p:nvSpPr>
+          <p:cNvPr id="224" name="Google Shape;224;p25"/>
+          <p:cNvSpPr/>
+          <p:nvPr/>
+        </p:nvSpPr>
+        <p:spPr>
+          <a:xfrm>
+            <a:off x="0" y="32766000"/>
+            <a:ext cx="43891199" cy="152400"/>
+          </a:xfrm>
+          <a:prstGeom prst="rect">
+            <a:avLst/>
+          </a:prstGeom>
+          <a:solidFill>
+            <a:srgbClr val="840F0E"/>
+          </a:solidFill>
+          <a:ln w="19050" cap="rnd" cmpd="sng">
+            <a:solidFill>
+              <a:srgbClr val="800F0D"/>
+            </a:solidFill>
+            <a:prstDash val="solid"/>
+            <a:round/>
+            <a:headEnd type="none" w="sm" len="sm"/>
+            <a:tailEnd type="none" w="sm" len="sm"/>
+          </a:ln>
+        </p:spPr>
+        <p:txBody>
+          <a:bodyPr spcFirstLastPara="1" wrap="square" lIns="91425" tIns="45700" rIns="91425" bIns="45700" anchor="ctr" anchorCtr="0">
+            <a:noAutofit/>
+          </a:bodyPr>
+          <a:lstStyle/>
+          <a:p>
+            <a:pPr marL="0" marR="0" lvl="0" indent="0" algn="ctr" rtl="0">
+              <a:spcBef>
+                <a:spcPts val="0"/>
+              </a:spcBef>
+              <a:spcAft>
+                <a:spcPts val="0"/>
+              </a:spcAft>
+              <a:buNone/>
+            </a:pPr>
+            <a:endParaRPr sz="1800">
+              <a:solidFill>
+                <a:schemeClr val="lt1"/>
+              </a:solidFill>
+              <a:latin typeface="Arial"/>
+              <a:ea typeface="Arial"/>
+              <a:cs typeface="Arial"/>
+              <a:sym typeface="Arial"/>
+            </a:endParaRPr>
+          </a:p>
+        </p:txBody>
+      </p:sp>
+      <p:sp>
+        <p:nvSpPr>
+          <p:cNvPr id="225" name="Google Shape;225;p25"/>
+          <p:cNvSpPr txBox="1"/>
+          <p:nvPr/>
+        </p:nvSpPr>
+        <p:spPr>
+          <a:xfrm>
+            <a:off x="0" y="3219880"/>
+            <a:ext cx="43891199" cy="1046651"/>
+          </a:xfrm>
+          <a:prstGeom prst="rect">
+            <a:avLst/>
+          </a:prstGeom>
+          <a:noFill/>
+          <a:ln w="9525" cap="flat" cmpd="sng">
+            <a:solidFill>
+              <a:srgbClr val="840F0E"/>
+            </a:solidFill>
+            <a:prstDash val="solid"/>
+            <a:round/>
+            <a:headEnd type="none" w="sm" len="sm"/>
+            <a:tailEnd type="none" w="sm" len="sm"/>
+          </a:ln>
+        </p:spPr>
+        <p:txBody>
+          <a:bodyPr spcFirstLastPara="1" wrap="square" lIns="91425" tIns="45700" rIns="91425" bIns="45700" anchor="t" anchorCtr="0">
+            <a:spAutoFit/>
+          </a:bodyPr>
+          <a:lstStyle/>
+          <a:p>
+            <a:pPr marL="0" marR="0" lvl="0" indent="0" algn="ctr" rtl="0">
+              <a:spcBef>
+                <a:spcPts val="0"/>
+              </a:spcBef>
+              <a:spcAft>
+                <a:spcPts val="0"/>
+              </a:spcAft>
+              <a:buNone/>
+            </a:pPr>
+            <a:endParaRPr sz="6000" b="1">
+              <a:solidFill>
+                <a:schemeClr val="dk1"/>
+              </a:solidFill>
+              <a:latin typeface="Arial"/>
+              <a:ea typeface="Arial"/>
+              <a:cs typeface="Arial"/>
+              <a:sym typeface="Arial"/>
+            </a:endParaRPr>
+          </a:p>
+        </p:txBody>
+      </p:sp>
+      <p:pic>
+        <p:nvPicPr>
+          <p:cNvPr id="226" name="Google Shape;226;p25"/>
+          <p:cNvPicPr preferRelativeResize="0"/>
+          <p:nvPr/>
+        </p:nvPicPr>
+        <p:blipFill rotWithShape="1">
+          <a:blip r:embed="rId3">
+            <a:alphaModFix/>
+          </a:blip>
+          <a:srcRect/>
+          <a:stretch/>
+        </p:blipFill>
+        <p:spPr>
+          <a:xfrm>
+            <a:off x="3017520" y="30681088"/>
+            <a:ext cx="8309872" cy="2084914"/>
+          </a:xfrm>
+          <a:prstGeom prst="rect">
+            <a:avLst/>
+          </a:prstGeom>
+          <a:noFill/>
+          <a:ln>
+            <a:noFill/>
+          </a:ln>
+        </p:spPr>
+      </p:pic>
+      <p:pic>
+        <p:nvPicPr>
+          <p:cNvPr id="227" name="Google Shape;227;p25"/>
+          <p:cNvPicPr preferRelativeResize="0"/>
+          <p:nvPr/>
+        </p:nvPicPr>
+        <p:blipFill rotWithShape="1">
+          <a:blip r:embed="rId4">
+            <a:alphaModFix/>
+          </a:blip>
+          <a:srcRect/>
+          <a:stretch/>
+        </p:blipFill>
+        <p:spPr>
+          <a:xfrm>
+            <a:off x="1257706" y="514663"/>
+            <a:ext cx="4337271" cy="3346137"/>
+          </a:xfrm>
+          <a:prstGeom prst="rect">
+            <a:avLst/>
+          </a:prstGeom>
+          <a:noFill/>
+          <a:ln>
+            <a:noFill/>
+          </a:ln>
+        </p:spPr>
+      </p:pic>
+      <p:sp>
+        <p:nvSpPr>
+          <p:cNvPr id="228" name="Google Shape;228;p25"/>
+          <p:cNvSpPr txBox="1">
+            <a:spLocks noGrp="1"/>
+          </p:cNvSpPr>
+          <p:nvPr>
+            <p:ph type="title"/>
+          </p:nvPr>
+        </p:nvSpPr>
+        <p:spPr>
+          <a:xfrm>
+            <a:off x="6035040" y="213358"/>
+            <a:ext cx="32004001" cy="4175762"/>
+          </a:xfrm>
+          <a:prstGeom prst="rect">
+            <a:avLst/>
+          </a:prstGeom>
+          <a:noFill/>
+          <a:ln>
+            <a:noFill/>
+          </a:ln>
+        </p:spPr>
+        <p:txBody>
+          <a:bodyPr spcFirstLastPara="1" wrap="square" lIns="91425" tIns="45700" rIns="91425" bIns="45700" anchor="t" anchorCtr="0">
+            <a:normAutofit/>
+          </a:bodyPr>
+          <a:lstStyle/>
+          <a:p>
+            <a:pPr marL="0" lvl="0" indent="0" algn="ctr" rtl="0">
+              <a:spcBef>
+                <a:spcPts val="0"/>
+              </a:spcBef>
+              <a:spcAft>
+                <a:spcPts val="0"/>
+              </a:spcAft>
+              <a:buClr>
+                <a:schemeClr val="lt2"/>
+              </a:buClr>
+              <a:buSzPts val="20100"/>
+              <a:buFont typeface="Times New Roman"/>
+              <a:buNone/>
+            </a:pPr>
+            <a:r>
+              <a:rPr lang="en-US" b="1" i="1">
+                <a:latin typeface="Times New Roman"/>
+                <a:ea typeface="Times New Roman"/>
+                <a:cs typeface="Times New Roman"/>
+                <a:sym typeface="Times New Roman"/>
+              </a:rPr>
+              <a:t>Methods</a:t>
+            </a:r>
+            <a:endParaRPr/>
+          </a:p>
+        </p:txBody>
+      </p:sp>
+      <p:sp>
+        <p:nvSpPr>
+          <p:cNvPr id="229" name="Google Shape;229;p25"/>
+          <p:cNvSpPr txBox="1">
+            <a:spLocks noGrp="1"/>
+          </p:cNvSpPr>
+          <p:nvPr>
+            <p:ph type="body" idx="1"/>
+          </p:nvPr>
+        </p:nvSpPr>
+        <p:spPr>
+          <a:xfrm>
+            <a:off x="3017520" y="6080760"/>
+            <a:ext cx="18050256" cy="22485096"/>
+          </a:xfrm>
+          <a:prstGeom prst="rect">
+            <a:avLst/>
+          </a:prstGeom>
+          <a:noFill/>
+          <a:ln>
+            <a:noFill/>
+          </a:ln>
+        </p:spPr>
+        <p:txBody>
+          <a:bodyPr spcFirstLastPara="1" wrap="square" lIns="91425" tIns="45700" rIns="91425" bIns="45700" anchor="t" anchorCtr="0">
+            <a:normAutofit/>
+          </a:bodyPr>
+          <a:lstStyle/>
+          <a:p>
+            <a:pPr marL="1645949" indent="-1158268">
+              <a:spcBef>
+                <a:spcPts val="0"/>
+              </a:spcBef>
+              <a:buSzPts val="7680"/>
+            </a:pPr>
+            <a:r>
+              <a:rPr lang="en-US" dirty="0"/>
+              <a:t>The call center was asking for a time series forecast.</a:t>
+            </a:r>
+          </a:p>
+          <a:p>
+            <a:pPr marL="1645949" indent="-1158268">
+              <a:spcBef>
+                <a:spcPts val="0"/>
+              </a:spcBef>
+              <a:buSzPts val="7680"/>
+            </a:pPr>
+            <a:r>
+              <a:rPr lang="en-US" dirty="0"/>
+              <a:t>Structured the data for </a:t>
+            </a:r>
+            <a:r>
+              <a:rPr lang="en-US" i="1" dirty="0"/>
+              <a:t>data windowing</a:t>
+            </a:r>
+            <a:endParaRPr lang="en-US" dirty="0"/>
+          </a:p>
+          <a:p>
+            <a:pPr marL="2103149" lvl="1" indent="-1158268">
+              <a:spcBef>
+                <a:spcPts val="0"/>
+              </a:spcBef>
+              <a:buSzPts val="7680"/>
+            </a:pPr>
+            <a:r>
+              <a:rPr lang="en-US" dirty="0"/>
+              <a:t>Tested the data on several models.</a:t>
+            </a:r>
+          </a:p>
+          <a:p>
+            <a:pPr marL="2103149" lvl="1" indent="-1158268">
+              <a:spcBef>
+                <a:spcPts val="0"/>
+              </a:spcBef>
+              <a:buSzPts val="7680"/>
+            </a:pPr>
+            <a:r>
+              <a:rPr lang="en-US" dirty="0"/>
+              <a:t>RRN LSTM provided the best metrics and visualization.</a:t>
+            </a:r>
+          </a:p>
+          <a:p>
+            <a:pPr marL="2560349" lvl="2" indent="-1158268">
+              <a:spcBef>
+                <a:spcPts val="0"/>
+              </a:spcBef>
+              <a:buSzPts val="7680"/>
+            </a:pPr>
+            <a:r>
+              <a:rPr lang="en-US" dirty="0"/>
+              <a:t>This ensured accuracy relative to the other tested models.</a:t>
+            </a:r>
+          </a:p>
+          <a:p>
+            <a:pPr marL="2560349" lvl="2" indent="-1158268">
+              <a:spcBef>
+                <a:spcPts val="0"/>
+              </a:spcBef>
+              <a:buSzPts val="7680"/>
+            </a:pPr>
+            <a:r>
+              <a:rPr lang="en-US" dirty="0"/>
+              <a:t>Allowed the customer to gain valued insight with the visualization from the models predictions.</a:t>
+            </a:r>
+          </a:p>
+        </p:txBody>
+      </p:sp>
+    </p:spTree>
+    <p:extLst>
+      <p:ext uri="{BB962C8B-B14F-4D97-AF65-F5344CB8AC3E}">
+        <p14:creationId xmlns:p14="http://schemas.microsoft.com/office/powerpoint/2010/main" val="396882805"/>
+      </p:ext>
+    </p:extLst>
+  </p:cSld>
+  <p:clrMapOvr>
+    <a:masterClrMapping/>
+  </p:clrMapOvr>
+</p:sld>
+</file>
+
+<file path=ppt/slides/slide11.xml><?xml version="1.0" encoding="utf-8"?>
+<p:sld xmlns:a="http://schemas.openxmlformats.org/drawingml/2006/main" xmlns:r="http://schemas.openxmlformats.org/officeDocument/2006/relationships" xmlns:p="http://schemas.openxmlformats.org/presentationml/2006/main">
+  <p:cSld>
+    <p:spTree>
+      <p:nvGrpSpPr>
+        <p:cNvPr id="1" name="Shape 222"/>
+        <p:cNvGrpSpPr/>
+        <p:nvPr/>
+      </p:nvGrpSpPr>
+      <p:grpSpPr>
+        <a:xfrm>
+          <a:off x="0" y="0"/>
+          <a:ext cx="0" cy="0"/>
+          <a:chOff x="0" y="0"/>
+          <a:chExt cx="0" cy="0"/>
+        </a:xfrm>
+      </p:grpSpPr>
+      <p:sp>
+        <p:nvSpPr>
+          <p:cNvPr id="223" name="Google Shape;223;p25"/>
+          <p:cNvSpPr/>
+          <p:nvPr/>
+        </p:nvSpPr>
+        <p:spPr>
+          <a:xfrm>
+            <a:off x="0" y="0"/>
+            <a:ext cx="43891199" cy="4389120"/>
+          </a:xfrm>
+          <a:prstGeom prst="rect">
+            <a:avLst/>
+          </a:prstGeom>
+          <a:solidFill>
+            <a:srgbClr val="840F0E"/>
+          </a:solidFill>
+          <a:ln w="19050" cap="rnd" cmpd="sng">
+            <a:solidFill>
+              <a:srgbClr val="800F0D"/>
+            </a:solidFill>
+            <a:prstDash val="solid"/>
+            <a:round/>
+            <a:headEnd type="none" w="sm" len="sm"/>
+            <a:tailEnd type="none" w="sm" len="sm"/>
+          </a:ln>
+        </p:spPr>
+        <p:txBody>
+          <a:bodyPr spcFirstLastPara="1" wrap="square" lIns="91425" tIns="45700" rIns="91425" bIns="45700" anchor="ctr" anchorCtr="0">
+            <a:noAutofit/>
+          </a:bodyPr>
+          <a:lstStyle/>
+          <a:p>
+            <a:pPr marL="0" marR="0" lvl="0" indent="0" algn="ctr" rtl="0">
+              <a:spcBef>
+                <a:spcPts val="0"/>
+              </a:spcBef>
+              <a:spcAft>
+                <a:spcPts val="0"/>
+              </a:spcAft>
+              <a:buNone/>
+            </a:pPr>
+            <a:endParaRPr sz="1800">
+              <a:solidFill>
+                <a:schemeClr val="lt1"/>
+              </a:solidFill>
+              <a:latin typeface="Arial"/>
+              <a:ea typeface="Arial"/>
+              <a:cs typeface="Arial"/>
+              <a:sym typeface="Arial"/>
+            </a:endParaRPr>
+          </a:p>
+        </p:txBody>
+      </p:sp>
+      <p:sp>
+        <p:nvSpPr>
+          <p:cNvPr id="224" name="Google Shape;224;p25"/>
+          <p:cNvSpPr/>
+          <p:nvPr/>
+        </p:nvSpPr>
+        <p:spPr>
+          <a:xfrm>
+            <a:off x="0" y="32766000"/>
+            <a:ext cx="43891199" cy="152400"/>
+          </a:xfrm>
+          <a:prstGeom prst="rect">
+            <a:avLst/>
+          </a:prstGeom>
+          <a:solidFill>
+            <a:srgbClr val="840F0E"/>
+          </a:solidFill>
+          <a:ln w="19050" cap="rnd" cmpd="sng">
+            <a:solidFill>
+              <a:srgbClr val="800F0D"/>
+            </a:solidFill>
+            <a:prstDash val="solid"/>
+            <a:round/>
+            <a:headEnd type="none" w="sm" len="sm"/>
+            <a:tailEnd type="none" w="sm" len="sm"/>
+          </a:ln>
+        </p:spPr>
+        <p:txBody>
+          <a:bodyPr spcFirstLastPara="1" wrap="square" lIns="91425" tIns="45700" rIns="91425" bIns="45700" anchor="ctr" anchorCtr="0">
+            <a:noAutofit/>
+          </a:bodyPr>
+          <a:lstStyle/>
+          <a:p>
+            <a:pPr marL="0" marR="0" lvl="0" indent="0" algn="ctr" rtl="0">
+              <a:spcBef>
+                <a:spcPts val="0"/>
+              </a:spcBef>
+              <a:spcAft>
+                <a:spcPts val="0"/>
+              </a:spcAft>
+              <a:buNone/>
+            </a:pPr>
+            <a:endParaRPr sz="1800">
+              <a:solidFill>
+                <a:schemeClr val="lt1"/>
+              </a:solidFill>
+              <a:latin typeface="Arial"/>
+              <a:ea typeface="Arial"/>
+              <a:cs typeface="Arial"/>
+              <a:sym typeface="Arial"/>
+            </a:endParaRPr>
+          </a:p>
+        </p:txBody>
+      </p:sp>
+      <p:sp>
+        <p:nvSpPr>
+          <p:cNvPr id="225" name="Google Shape;225;p25"/>
+          <p:cNvSpPr txBox="1"/>
+          <p:nvPr/>
+        </p:nvSpPr>
+        <p:spPr>
+          <a:xfrm>
+            <a:off x="0" y="3219880"/>
+            <a:ext cx="43891199" cy="1046651"/>
+          </a:xfrm>
+          <a:prstGeom prst="rect">
+            <a:avLst/>
+          </a:prstGeom>
+          <a:noFill/>
+          <a:ln w="9525" cap="flat" cmpd="sng">
+            <a:solidFill>
+              <a:srgbClr val="840F0E"/>
+            </a:solidFill>
+            <a:prstDash val="solid"/>
+            <a:round/>
+            <a:headEnd type="none" w="sm" len="sm"/>
+            <a:tailEnd type="none" w="sm" len="sm"/>
+          </a:ln>
+        </p:spPr>
+        <p:txBody>
+          <a:bodyPr spcFirstLastPara="1" wrap="square" lIns="91425" tIns="45700" rIns="91425" bIns="45700" anchor="t" anchorCtr="0">
+            <a:spAutoFit/>
+          </a:bodyPr>
+          <a:lstStyle/>
+          <a:p>
+            <a:pPr marL="0" marR="0" lvl="0" indent="0" algn="ctr" rtl="0">
+              <a:spcBef>
+                <a:spcPts val="0"/>
+              </a:spcBef>
+              <a:spcAft>
+                <a:spcPts val="0"/>
+              </a:spcAft>
+              <a:buNone/>
+            </a:pPr>
+            <a:endParaRPr sz="6000" b="1">
+              <a:solidFill>
+                <a:schemeClr val="dk1"/>
+              </a:solidFill>
+              <a:latin typeface="Arial"/>
+              <a:ea typeface="Arial"/>
+              <a:cs typeface="Arial"/>
+              <a:sym typeface="Arial"/>
+            </a:endParaRPr>
+          </a:p>
+        </p:txBody>
+      </p:sp>
+      <p:pic>
+        <p:nvPicPr>
+          <p:cNvPr id="226" name="Google Shape;226;p25"/>
+          <p:cNvPicPr preferRelativeResize="0"/>
+          <p:nvPr/>
+        </p:nvPicPr>
+        <p:blipFill rotWithShape="1">
+          <a:blip r:embed="rId3">
+            <a:alphaModFix/>
+          </a:blip>
+          <a:srcRect/>
+          <a:stretch/>
+        </p:blipFill>
+        <p:spPr>
+          <a:xfrm>
+            <a:off x="3017520" y="30681088"/>
+            <a:ext cx="8309872" cy="2084914"/>
+          </a:xfrm>
+          <a:prstGeom prst="rect">
+            <a:avLst/>
+          </a:prstGeom>
+          <a:noFill/>
+          <a:ln>
+            <a:noFill/>
+          </a:ln>
+        </p:spPr>
+      </p:pic>
+      <p:pic>
+        <p:nvPicPr>
+          <p:cNvPr id="227" name="Google Shape;227;p25"/>
+          <p:cNvPicPr preferRelativeResize="0"/>
+          <p:nvPr/>
+        </p:nvPicPr>
+        <p:blipFill rotWithShape="1">
+          <a:blip r:embed="rId4">
+            <a:alphaModFix/>
+          </a:blip>
+          <a:srcRect/>
+          <a:stretch/>
+        </p:blipFill>
+        <p:spPr>
+          <a:xfrm>
+            <a:off x="1257706" y="514663"/>
+            <a:ext cx="4337271" cy="3346137"/>
+          </a:xfrm>
+          <a:prstGeom prst="rect">
+            <a:avLst/>
+          </a:prstGeom>
+          <a:noFill/>
+          <a:ln>
+            <a:noFill/>
+          </a:ln>
+        </p:spPr>
+      </p:pic>
+      <p:sp>
+        <p:nvSpPr>
+          <p:cNvPr id="228" name="Google Shape;228;p25"/>
+          <p:cNvSpPr txBox="1">
+            <a:spLocks noGrp="1"/>
+          </p:cNvSpPr>
+          <p:nvPr>
+            <p:ph type="title"/>
+          </p:nvPr>
+        </p:nvSpPr>
+        <p:spPr>
+          <a:xfrm>
+            <a:off x="6035040" y="213358"/>
+            <a:ext cx="32004001" cy="4175762"/>
+          </a:xfrm>
+          <a:prstGeom prst="rect">
+            <a:avLst/>
+          </a:prstGeom>
+          <a:noFill/>
+          <a:ln>
+            <a:noFill/>
+          </a:ln>
+        </p:spPr>
+        <p:txBody>
+          <a:bodyPr spcFirstLastPara="1" wrap="square" lIns="91425" tIns="45700" rIns="91425" bIns="45700" anchor="t" anchorCtr="0">
+            <a:normAutofit/>
+          </a:bodyPr>
+          <a:lstStyle/>
+          <a:p>
+            <a:pPr marL="0" lvl="0" indent="0" algn="ctr" rtl="0">
+              <a:spcBef>
+                <a:spcPts val="0"/>
+              </a:spcBef>
+              <a:spcAft>
+                <a:spcPts val="0"/>
+              </a:spcAft>
+              <a:buClr>
+                <a:schemeClr val="lt2"/>
+              </a:buClr>
+              <a:buSzPts val="20100"/>
+              <a:buFont typeface="Times New Roman"/>
+              <a:buNone/>
+            </a:pPr>
+            <a:r>
+              <a:rPr lang="en-US" b="1" i="1">
+                <a:latin typeface="Times New Roman"/>
+                <a:ea typeface="Times New Roman"/>
+                <a:cs typeface="Times New Roman"/>
+                <a:sym typeface="Times New Roman"/>
+              </a:rPr>
+              <a:t>Methods</a:t>
+            </a:r>
+            <a:endParaRPr/>
+          </a:p>
+        </p:txBody>
+      </p:sp>
+      <p:sp>
+        <p:nvSpPr>
+          <p:cNvPr id="229" name="Google Shape;229;p25"/>
+          <p:cNvSpPr txBox="1">
+            <a:spLocks noGrp="1"/>
+          </p:cNvSpPr>
+          <p:nvPr>
+            <p:ph type="body" idx="1"/>
+          </p:nvPr>
+        </p:nvSpPr>
+        <p:spPr>
+          <a:xfrm>
+            <a:off x="3017520" y="6080760"/>
+            <a:ext cx="18050256" cy="22485096"/>
+          </a:xfrm>
+          <a:prstGeom prst="rect">
+            <a:avLst/>
+          </a:prstGeom>
+          <a:noFill/>
+          <a:ln>
+            <a:noFill/>
+          </a:ln>
+        </p:spPr>
+        <p:txBody>
+          <a:bodyPr spcFirstLastPara="1" wrap="square" lIns="91425" tIns="45700" rIns="91425" bIns="45700" anchor="t" anchorCtr="0">
+            <a:normAutofit/>
+          </a:bodyPr>
+          <a:lstStyle/>
+          <a:p>
+            <a:pPr marL="1645949" indent="-1158268">
+              <a:spcBef>
+                <a:spcPts val="0"/>
+              </a:spcBef>
+              <a:buSzPts val="7680"/>
+            </a:pPr>
+            <a:r>
+              <a:rPr lang="en-US" dirty="0"/>
+              <a:t>.</a:t>
+            </a:r>
+          </a:p>
+        </p:txBody>
+      </p:sp>
+    </p:spTree>
+    <p:extLst>
+      <p:ext uri="{BB962C8B-B14F-4D97-AF65-F5344CB8AC3E}">
+        <p14:creationId xmlns:p14="http://schemas.microsoft.com/office/powerpoint/2010/main" val="497398104"/>
+      </p:ext>
+    </p:extLst>
+  </p:cSld>
+  <p:clrMapOvr>
+    <a:masterClrMapping/>
+  </p:clrMapOvr>
+</p:sld>
+</file>
+
+<file path=ppt/slides/slide12.xml><?xml version="1.0" encoding="utf-8"?>
+<p:sld xmlns:a="http://schemas.openxmlformats.org/drawingml/2006/main" xmlns:r="http://schemas.openxmlformats.org/officeDocument/2006/relationships" xmlns:p="http://schemas.openxmlformats.org/presentationml/2006/main">
+  <p:cSld>
+    <p:spTree>
+      <p:nvGrpSpPr>
+        <p:cNvPr id="1" name="Shape 233"/>
+        <p:cNvGrpSpPr/>
+        <p:nvPr/>
+      </p:nvGrpSpPr>
+      <p:grpSpPr>
+        <a:xfrm>
+          <a:off x="0" y="0"/>
+          <a:ext cx="0" cy="0"/>
+          <a:chOff x="0" y="0"/>
+          <a:chExt cx="0" cy="0"/>
+        </a:xfrm>
+      </p:grpSpPr>
+      <p:sp>
+        <p:nvSpPr>
+          <p:cNvPr id="234" name="Google Shape;234;p26"/>
+          <p:cNvSpPr/>
+          <p:nvPr/>
+        </p:nvSpPr>
+        <p:spPr>
+          <a:xfrm>
+            <a:off x="0" y="0"/>
+            <a:ext cx="43891199" cy="4389120"/>
+          </a:xfrm>
+          <a:prstGeom prst="rect">
+            <a:avLst/>
+          </a:prstGeom>
+          <a:solidFill>
+            <a:srgbClr val="840F0E"/>
+          </a:solidFill>
+          <a:ln w="19050" cap="rnd" cmpd="sng">
+            <a:solidFill>
+              <a:srgbClr val="800F0D"/>
+            </a:solidFill>
+            <a:prstDash val="solid"/>
+            <a:round/>
+            <a:headEnd type="none" w="sm" len="sm"/>
+            <a:tailEnd type="none" w="sm" len="sm"/>
+          </a:ln>
+        </p:spPr>
+        <p:txBody>
+          <a:bodyPr spcFirstLastPara="1" wrap="square" lIns="91425" tIns="45700" rIns="91425" bIns="45700" anchor="ctr" anchorCtr="0">
+            <a:noAutofit/>
+          </a:bodyPr>
+          <a:lstStyle/>
+          <a:p>
+            <a:pPr marL="0" marR="0" lvl="0" indent="0" algn="ctr" rtl="0">
+              <a:spcBef>
+                <a:spcPts val="0"/>
+              </a:spcBef>
+              <a:spcAft>
+                <a:spcPts val="0"/>
+              </a:spcAft>
+              <a:buNone/>
+            </a:pPr>
+            <a:endParaRPr sz="1800">
+              <a:solidFill>
+                <a:schemeClr val="lt1"/>
+              </a:solidFill>
+              <a:latin typeface="Arial"/>
+              <a:ea typeface="Arial"/>
+              <a:cs typeface="Arial"/>
+              <a:sym typeface="Arial"/>
+            </a:endParaRPr>
+          </a:p>
+        </p:txBody>
+      </p:sp>
+      <p:sp>
+        <p:nvSpPr>
+          <p:cNvPr id="235" name="Google Shape;235;p26"/>
+          <p:cNvSpPr/>
+          <p:nvPr/>
+        </p:nvSpPr>
+        <p:spPr>
+          <a:xfrm>
+            <a:off x="0" y="32766000"/>
+            <a:ext cx="43891199" cy="152400"/>
+          </a:xfrm>
+          <a:prstGeom prst="rect">
+            <a:avLst/>
+          </a:prstGeom>
+          <a:solidFill>
+            <a:srgbClr val="840F0E"/>
+          </a:solidFill>
+          <a:ln w="19050" cap="rnd" cmpd="sng">
+            <a:solidFill>
+              <a:srgbClr val="800F0D"/>
+            </a:solidFill>
+            <a:prstDash val="solid"/>
+            <a:round/>
+            <a:headEnd type="none" w="sm" len="sm"/>
+            <a:tailEnd type="none" w="sm" len="sm"/>
+          </a:ln>
+        </p:spPr>
+        <p:txBody>
+          <a:bodyPr spcFirstLastPara="1" wrap="square" lIns="91425" tIns="45700" rIns="91425" bIns="45700" anchor="ctr" anchorCtr="0">
+            <a:noAutofit/>
+          </a:bodyPr>
+          <a:lstStyle/>
+          <a:p>
+            <a:pPr marL="0" marR="0" lvl="0" indent="0" algn="ctr" rtl="0">
+              <a:spcBef>
+                <a:spcPts val="0"/>
+              </a:spcBef>
+              <a:spcAft>
+                <a:spcPts val="0"/>
+              </a:spcAft>
+              <a:buNone/>
+            </a:pPr>
+            <a:endParaRPr sz="1800">
+              <a:solidFill>
+                <a:schemeClr val="lt1"/>
+              </a:solidFill>
+              <a:latin typeface="Arial"/>
+              <a:ea typeface="Arial"/>
+              <a:cs typeface="Arial"/>
+              <a:sym typeface="Arial"/>
+            </a:endParaRPr>
+          </a:p>
+        </p:txBody>
+      </p:sp>
+      <p:sp>
+        <p:nvSpPr>
+          <p:cNvPr id="236" name="Google Shape;236;p26"/>
+          <p:cNvSpPr txBox="1"/>
+          <p:nvPr/>
+        </p:nvSpPr>
+        <p:spPr>
+          <a:xfrm>
+            <a:off x="0" y="3219880"/>
+            <a:ext cx="43891199" cy="1046651"/>
+          </a:xfrm>
+          <a:prstGeom prst="rect">
+            <a:avLst/>
+          </a:prstGeom>
+          <a:noFill/>
+          <a:ln w="9525" cap="flat" cmpd="sng">
+            <a:solidFill>
+              <a:srgbClr val="840F0E"/>
+            </a:solidFill>
+            <a:prstDash val="solid"/>
+            <a:round/>
+            <a:headEnd type="none" w="sm" len="sm"/>
+            <a:tailEnd type="none" w="sm" len="sm"/>
+          </a:ln>
+        </p:spPr>
+        <p:txBody>
+          <a:bodyPr spcFirstLastPara="1" wrap="square" lIns="91425" tIns="45700" rIns="91425" bIns="45700" anchor="t" anchorCtr="0">
+            <a:spAutoFit/>
+          </a:bodyPr>
+          <a:lstStyle/>
+          <a:p>
+            <a:pPr marL="0" marR="0" lvl="0" indent="0" algn="ctr" rtl="0">
+              <a:spcBef>
+                <a:spcPts val="0"/>
+              </a:spcBef>
+              <a:spcAft>
+                <a:spcPts val="0"/>
+              </a:spcAft>
+              <a:buNone/>
+            </a:pPr>
+            <a:endParaRPr sz="6000" b="1">
+              <a:solidFill>
+                <a:schemeClr val="dk1"/>
+              </a:solidFill>
+              <a:latin typeface="Arial"/>
+              <a:ea typeface="Arial"/>
+              <a:cs typeface="Arial"/>
+              <a:sym typeface="Arial"/>
+            </a:endParaRPr>
+          </a:p>
+        </p:txBody>
+      </p:sp>
+      <p:pic>
+        <p:nvPicPr>
+          <p:cNvPr id="237" name="Google Shape;237;p26"/>
+          <p:cNvPicPr preferRelativeResize="0"/>
+          <p:nvPr/>
+        </p:nvPicPr>
+        <p:blipFill rotWithShape="1">
+          <a:blip r:embed="rId3">
+            <a:alphaModFix/>
+          </a:blip>
+          <a:srcRect/>
+          <a:stretch/>
+        </p:blipFill>
+        <p:spPr>
+          <a:xfrm>
+            <a:off x="3017520" y="30757288"/>
+            <a:ext cx="8309872" cy="2084914"/>
+          </a:xfrm>
+          <a:prstGeom prst="rect">
+            <a:avLst/>
+          </a:prstGeom>
+          <a:noFill/>
+          <a:ln>
+            <a:noFill/>
+          </a:ln>
+        </p:spPr>
+      </p:pic>
+      <p:pic>
+        <p:nvPicPr>
+          <p:cNvPr id="238" name="Google Shape;238;p26"/>
+          <p:cNvPicPr preferRelativeResize="0"/>
+          <p:nvPr/>
+        </p:nvPicPr>
+        <p:blipFill rotWithShape="1">
+          <a:blip r:embed="rId4">
+            <a:alphaModFix/>
+          </a:blip>
+          <a:srcRect/>
+          <a:stretch/>
+        </p:blipFill>
+        <p:spPr>
+          <a:xfrm>
+            <a:off x="1257706" y="514663"/>
+            <a:ext cx="4337271" cy="3346137"/>
+          </a:xfrm>
+          <a:prstGeom prst="rect">
+            <a:avLst/>
+          </a:prstGeom>
+          <a:noFill/>
+          <a:ln>
+            <a:noFill/>
+          </a:ln>
+        </p:spPr>
+      </p:pic>
+      <p:sp>
+        <p:nvSpPr>
+          <p:cNvPr id="239" name="Google Shape;239;p26"/>
+          <p:cNvSpPr txBox="1">
+            <a:spLocks noGrp="1"/>
+          </p:cNvSpPr>
+          <p:nvPr>
+            <p:ph type="title"/>
+          </p:nvPr>
+        </p:nvSpPr>
+        <p:spPr>
+          <a:xfrm>
+            <a:off x="6035040" y="213358"/>
+            <a:ext cx="32004001" cy="4175762"/>
+          </a:xfrm>
+          <a:prstGeom prst="rect">
+            <a:avLst/>
+          </a:prstGeom>
+          <a:noFill/>
+          <a:ln>
+            <a:noFill/>
+          </a:ln>
+        </p:spPr>
+        <p:txBody>
+          <a:bodyPr spcFirstLastPara="1" wrap="square" lIns="91425" tIns="45700" rIns="91425" bIns="45700" anchor="t" anchorCtr="0">
+            <a:normAutofit/>
+          </a:bodyPr>
+          <a:lstStyle/>
+          <a:p>
+            <a:pPr marL="0" lvl="0" indent="0" algn="ctr" rtl="0">
+              <a:spcBef>
+                <a:spcPts val="0"/>
+              </a:spcBef>
+              <a:spcAft>
+                <a:spcPts val="0"/>
+              </a:spcAft>
+              <a:buClr>
+                <a:schemeClr val="lt2"/>
+              </a:buClr>
+              <a:buSzPts val="20100"/>
+              <a:buFont typeface="Times New Roman"/>
+              <a:buNone/>
+            </a:pPr>
+            <a:r>
+              <a:rPr lang="en-US" b="1" i="1">
+                <a:latin typeface="Times New Roman"/>
+                <a:ea typeface="Times New Roman"/>
+                <a:cs typeface="Times New Roman"/>
+                <a:sym typeface="Times New Roman"/>
+              </a:rPr>
+              <a:t>Results</a:t>
+            </a:r>
+            <a:endParaRPr/>
+          </a:p>
+        </p:txBody>
+      </p:sp>
+      <p:sp>
+        <p:nvSpPr>
+          <p:cNvPr id="240" name="Google Shape;240;p26"/>
+          <p:cNvSpPr txBox="1">
+            <a:spLocks noGrp="1"/>
+          </p:cNvSpPr>
+          <p:nvPr>
+            <p:ph type="body" idx="1"/>
+          </p:nvPr>
+        </p:nvSpPr>
+        <p:spPr>
+          <a:xfrm>
+            <a:off x="3017520" y="6080759"/>
+            <a:ext cx="37856160" cy="24156896"/>
+          </a:xfrm>
+          <a:prstGeom prst="rect">
+            <a:avLst/>
+          </a:prstGeom>
+          <a:noFill/>
+          <a:ln>
+            <a:noFill/>
+          </a:ln>
+        </p:spPr>
+        <p:txBody>
+          <a:bodyPr spcFirstLastPara="1" wrap="square" lIns="91425" tIns="45700" rIns="91425" bIns="45700" anchor="t" anchorCtr="0">
+            <a:normAutofit/>
+          </a:bodyPr>
+          <a:lstStyle/>
+          <a:p>
+            <a:pPr marL="0" lvl="0" indent="0" algn="l" rtl="0">
+              <a:spcBef>
+                <a:spcPts val="0"/>
+              </a:spcBef>
+              <a:spcAft>
+                <a:spcPts val="0"/>
+              </a:spcAft>
+              <a:buSzPts val="7680"/>
+              <a:buNone/>
+            </a:pPr>
+            <a:endParaRPr/>
+          </a:p>
+        </p:txBody>
+      </p:sp>
+    </p:spTree>
+  </p:cSld>
+  <p:clrMapOvr>
+    <a:masterClrMapping/>
+  </p:clrMapOvr>
+</p:sld>
+</file>
+
+<file path=ppt/slides/slide13.xml><?xml version="1.0" encoding="utf-8"?>
+<p:sld xmlns:a="http://schemas.openxmlformats.org/drawingml/2006/main" xmlns:r="http://schemas.openxmlformats.org/officeDocument/2006/relationships" xmlns:p="http://schemas.openxmlformats.org/presentationml/2006/main">
+  <p:cSld>
+    <p:spTree>
+      <p:nvGrpSpPr>
+        <p:cNvPr id="1" name="Shape 244"/>
+        <p:cNvGrpSpPr/>
+        <p:nvPr/>
+      </p:nvGrpSpPr>
+      <p:grpSpPr>
+        <a:xfrm>
+          <a:off x="0" y="0"/>
+          <a:ext cx="0" cy="0"/>
+          <a:chOff x="0" y="0"/>
+          <a:chExt cx="0" cy="0"/>
+        </a:xfrm>
+      </p:grpSpPr>
+      <p:sp>
+        <p:nvSpPr>
+          <p:cNvPr id="245" name="Google Shape;245;p27"/>
+          <p:cNvSpPr/>
+          <p:nvPr/>
+        </p:nvSpPr>
+        <p:spPr>
+          <a:xfrm>
+            <a:off x="0" y="0"/>
+            <a:ext cx="43891199" cy="4389120"/>
+          </a:xfrm>
+          <a:prstGeom prst="rect">
+            <a:avLst/>
+          </a:prstGeom>
+          <a:solidFill>
+            <a:srgbClr val="840F0E"/>
+          </a:solidFill>
+          <a:ln w="19050" cap="rnd" cmpd="sng">
+            <a:solidFill>
+              <a:srgbClr val="800F0D"/>
+            </a:solidFill>
+            <a:prstDash val="solid"/>
+            <a:round/>
+            <a:headEnd type="none" w="sm" len="sm"/>
+            <a:tailEnd type="none" w="sm" len="sm"/>
+          </a:ln>
+        </p:spPr>
+        <p:txBody>
+          <a:bodyPr spcFirstLastPara="1" wrap="square" lIns="91425" tIns="45700" rIns="91425" bIns="45700" anchor="ctr" anchorCtr="0">
+            <a:noAutofit/>
+          </a:bodyPr>
+          <a:lstStyle/>
+          <a:p>
+            <a:pPr marL="0" marR="0" lvl="0" indent="0" algn="ctr" rtl="0">
+              <a:spcBef>
+                <a:spcPts val="0"/>
+              </a:spcBef>
+              <a:spcAft>
+                <a:spcPts val="0"/>
+              </a:spcAft>
+              <a:buNone/>
+            </a:pPr>
+            <a:endParaRPr sz="1800">
+              <a:solidFill>
+                <a:schemeClr val="lt1"/>
+              </a:solidFill>
+              <a:latin typeface="Arial"/>
+              <a:ea typeface="Arial"/>
+              <a:cs typeface="Arial"/>
+              <a:sym typeface="Arial"/>
+            </a:endParaRPr>
+          </a:p>
+        </p:txBody>
+      </p:sp>
+      <p:sp>
+        <p:nvSpPr>
+          <p:cNvPr id="246" name="Google Shape;246;p27"/>
+          <p:cNvSpPr/>
+          <p:nvPr/>
+        </p:nvSpPr>
+        <p:spPr>
+          <a:xfrm>
+            <a:off x="0" y="32766000"/>
+            <a:ext cx="43891199" cy="152400"/>
+          </a:xfrm>
+          <a:prstGeom prst="rect">
+            <a:avLst/>
+          </a:prstGeom>
+          <a:solidFill>
+            <a:srgbClr val="840F0E"/>
+          </a:solidFill>
+          <a:ln w="19050" cap="rnd" cmpd="sng">
+            <a:solidFill>
+              <a:srgbClr val="800F0D"/>
+            </a:solidFill>
+            <a:prstDash val="solid"/>
+            <a:round/>
+            <a:headEnd type="none" w="sm" len="sm"/>
+            <a:tailEnd type="none" w="sm" len="sm"/>
+          </a:ln>
+        </p:spPr>
+        <p:txBody>
+          <a:bodyPr spcFirstLastPara="1" wrap="square" lIns="91425" tIns="45700" rIns="91425" bIns="45700" anchor="ctr" anchorCtr="0">
+            <a:noAutofit/>
+          </a:bodyPr>
+          <a:lstStyle/>
+          <a:p>
+            <a:pPr marL="0" marR="0" lvl="0" indent="0" algn="ctr" rtl="0">
+              <a:spcBef>
+                <a:spcPts val="0"/>
+              </a:spcBef>
+              <a:spcAft>
+                <a:spcPts val="0"/>
+              </a:spcAft>
+              <a:buNone/>
+            </a:pPr>
+            <a:endParaRPr sz="1800">
+              <a:solidFill>
+                <a:schemeClr val="lt1"/>
+              </a:solidFill>
+              <a:latin typeface="Arial"/>
+              <a:ea typeface="Arial"/>
+              <a:cs typeface="Arial"/>
+              <a:sym typeface="Arial"/>
+            </a:endParaRPr>
+          </a:p>
+        </p:txBody>
+      </p:sp>
+      <p:sp>
+        <p:nvSpPr>
+          <p:cNvPr id="247" name="Google Shape;247;p27"/>
+          <p:cNvSpPr txBox="1"/>
+          <p:nvPr/>
+        </p:nvSpPr>
+        <p:spPr>
+          <a:xfrm>
+            <a:off x="0" y="3219880"/>
+            <a:ext cx="43891199" cy="1046651"/>
+          </a:xfrm>
+          <a:prstGeom prst="rect">
+            <a:avLst/>
+          </a:prstGeom>
+          <a:noFill/>
+          <a:ln w="9525" cap="flat" cmpd="sng">
+            <a:solidFill>
+              <a:srgbClr val="840F0E"/>
+            </a:solidFill>
+            <a:prstDash val="solid"/>
+            <a:round/>
+            <a:headEnd type="none" w="sm" len="sm"/>
+            <a:tailEnd type="none" w="sm" len="sm"/>
+          </a:ln>
+        </p:spPr>
+        <p:txBody>
+          <a:bodyPr spcFirstLastPara="1" wrap="square" lIns="91425" tIns="45700" rIns="91425" bIns="45700" anchor="t" anchorCtr="0">
+            <a:spAutoFit/>
+          </a:bodyPr>
+          <a:lstStyle/>
+          <a:p>
+            <a:pPr marL="0" marR="0" lvl="0" indent="0" algn="ctr" rtl="0">
+              <a:spcBef>
+                <a:spcPts val="0"/>
+              </a:spcBef>
+              <a:spcAft>
+                <a:spcPts val="0"/>
+              </a:spcAft>
+              <a:buNone/>
+            </a:pPr>
+            <a:endParaRPr sz="6000" b="1">
+              <a:solidFill>
+                <a:schemeClr val="dk1"/>
+              </a:solidFill>
+              <a:latin typeface="Arial"/>
+              <a:ea typeface="Arial"/>
+              <a:cs typeface="Arial"/>
+              <a:sym typeface="Arial"/>
+            </a:endParaRPr>
+          </a:p>
+        </p:txBody>
+      </p:sp>
+      <p:pic>
+        <p:nvPicPr>
+          <p:cNvPr id="248" name="Google Shape;248;p27"/>
+          <p:cNvPicPr preferRelativeResize="0"/>
+          <p:nvPr/>
+        </p:nvPicPr>
+        <p:blipFill rotWithShape="1">
+          <a:blip r:embed="rId3">
+            <a:alphaModFix/>
+          </a:blip>
+          <a:srcRect/>
+          <a:stretch/>
+        </p:blipFill>
+        <p:spPr>
+          <a:xfrm>
+            <a:off x="3017520" y="30318822"/>
+            <a:ext cx="8309872" cy="2084914"/>
+          </a:xfrm>
+          <a:prstGeom prst="rect">
+            <a:avLst/>
+          </a:prstGeom>
+          <a:noFill/>
+          <a:ln>
+            <a:noFill/>
+          </a:ln>
+        </p:spPr>
+      </p:pic>
+      <p:pic>
+        <p:nvPicPr>
+          <p:cNvPr id="249" name="Google Shape;249;p27"/>
+          <p:cNvPicPr preferRelativeResize="0"/>
+          <p:nvPr/>
+        </p:nvPicPr>
+        <p:blipFill rotWithShape="1">
+          <a:blip r:embed="rId4">
+            <a:alphaModFix/>
+          </a:blip>
+          <a:srcRect/>
+          <a:stretch/>
+        </p:blipFill>
+        <p:spPr>
+          <a:xfrm>
+            <a:off x="1257706" y="514663"/>
+            <a:ext cx="4337271" cy="3346137"/>
+          </a:xfrm>
+          <a:prstGeom prst="rect">
+            <a:avLst/>
+          </a:prstGeom>
+          <a:noFill/>
+          <a:ln>
+            <a:noFill/>
+          </a:ln>
+        </p:spPr>
+      </p:pic>
+      <p:sp>
+        <p:nvSpPr>
+          <p:cNvPr id="250" name="Google Shape;250;p27"/>
+          <p:cNvSpPr txBox="1">
+            <a:spLocks noGrp="1"/>
+          </p:cNvSpPr>
+          <p:nvPr>
+            <p:ph type="title"/>
+          </p:nvPr>
+        </p:nvSpPr>
+        <p:spPr>
+          <a:xfrm>
+            <a:off x="6035040" y="213358"/>
+            <a:ext cx="32004001" cy="4175762"/>
+          </a:xfrm>
+          <a:prstGeom prst="rect">
+            <a:avLst/>
+          </a:prstGeom>
+          <a:noFill/>
+          <a:ln>
+            <a:noFill/>
+          </a:ln>
+        </p:spPr>
+        <p:txBody>
+          <a:bodyPr spcFirstLastPara="1" wrap="square" lIns="91425" tIns="45700" rIns="91425" bIns="45700" anchor="t" anchorCtr="0">
+            <a:normAutofit/>
+          </a:bodyPr>
+          <a:lstStyle/>
+          <a:p>
+            <a:pPr marL="0" lvl="0" indent="0" algn="ctr" rtl="0">
+              <a:spcBef>
+                <a:spcPts val="0"/>
+              </a:spcBef>
+              <a:spcAft>
+                <a:spcPts val="0"/>
+              </a:spcAft>
+              <a:buClr>
+                <a:schemeClr val="lt2"/>
+              </a:buClr>
+              <a:buSzPts val="20100"/>
+              <a:buFont typeface="Times New Roman"/>
+              <a:buNone/>
+            </a:pPr>
+            <a:r>
+              <a:rPr lang="en-US" b="1" i="1">
+                <a:latin typeface="Times New Roman"/>
+                <a:ea typeface="Times New Roman"/>
+                <a:cs typeface="Times New Roman"/>
+                <a:sym typeface="Times New Roman"/>
+              </a:rPr>
+              <a:t>Interpretation</a:t>
+            </a:r>
+            <a:endParaRPr/>
+          </a:p>
+        </p:txBody>
+      </p:sp>
+      <p:sp>
+        <p:nvSpPr>
+          <p:cNvPr id="251" name="Google Shape;251;p27"/>
+          <p:cNvSpPr txBox="1">
+            <a:spLocks noGrp="1"/>
+          </p:cNvSpPr>
+          <p:nvPr>
+            <p:ph type="body" idx="1"/>
+          </p:nvPr>
+        </p:nvSpPr>
+        <p:spPr>
+          <a:xfrm>
+            <a:off x="3017520" y="6080760"/>
+            <a:ext cx="37856160" cy="22265639"/>
+          </a:xfrm>
+          <a:prstGeom prst="rect">
+            <a:avLst/>
+          </a:prstGeom>
+          <a:noFill/>
+          <a:ln>
+            <a:noFill/>
+          </a:ln>
+        </p:spPr>
+        <p:txBody>
+          <a:bodyPr spcFirstLastPara="1" wrap="square" lIns="91425" tIns="45700" rIns="91425" bIns="45700" anchor="t" anchorCtr="0">
+            <a:normAutofit/>
+          </a:bodyPr>
+          <a:lstStyle/>
+          <a:p>
+            <a:pPr marL="1645949" lvl="0" indent="-1158268" algn="l" rtl="0">
+              <a:spcBef>
+                <a:spcPts val="0"/>
+              </a:spcBef>
+              <a:spcAft>
+                <a:spcPts val="0"/>
+              </a:spcAft>
+              <a:buSzPts val="7680"/>
+              <a:buNone/>
+            </a:pPr>
+            <a:endParaRPr/>
+          </a:p>
+        </p:txBody>
+      </p:sp>
+    </p:spTree>
+  </p:cSld>
+  <p:clrMapOvr>
+    <a:masterClrMapping/>
+  </p:clrMapOvr>
+</p:sld>
+</file>
+
+<file path=ppt/slides/slide14.xml><?xml version="1.0" encoding="utf-8"?>
+<p:sld xmlns:a="http://schemas.openxmlformats.org/drawingml/2006/main" xmlns:r="http://schemas.openxmlformats.org/officeDocument/2006/relationships" xmlns:p="http://schemas.openxmlformats.org/presentationml/2006/main">
+  <p:cSld>
+    <p:spTree>
+      <p:nvGrpSpPr>
         <p:cNvPr id="1" name="Shape 255"/>
         <p:cNvGrpSpPr/>
         <p:nvPr/>
@@ -19939,18 +21804,22 @@
       </p:sp>
       <p:sp>
         <p:nvSpPr>
-          <p:cNvPr id="262" name="Google Shape;262;p28"/>
+          <p:cNvPr id="9" name="Google Shape;196;p22">
+            <a:extLst>
+              <a:ext uri="{FF2B5EF4-FFF2-40B4-BE49-F238E27FC236}">
+                <a16:creationId xmlns:a16="http://schemas.microsoft.com/office/drawing/2014/main" id="{F214C927-058A-4770-BA99-904ABBFBD3D8}"/>
+              </a:ext>
+            </a:extLst>
+          </p:cNvPr>
           <p:cNvSpPr txBox="1">
-            <a:spLocks noGrp="1"/>
+            <a:spLocks/>
           </p:cNvSpPr>
-          <p:nvPr>
-            <p:ph type="body" idx="1"/>
-          </p:nvPr>
+          <p:nvPr/>
         </p:nvSpPr>
         <p:spPr>
           <a:xfrm>
-            <a:off x="3017520" y="6080760"/>
-            <a:ext cx="37856160" cy="22265639"/>
+            <a:off x="22786848" y="9905380"/>
+            <a:ext cx="18397728" cy="19428572"/>
           </a:xfrm>
           <a:prstGeom prst="rect">
             <a:avLst/>
@@ -19964,19 +21833,765 @@
           <a:bodyPr spcFirstLastPara="1" wrap="square" lIns="91425" tIns="45700" rIns="91425" bIns="45700" anchor="t" anchorCtr="0">
             <a:normAutofit/>
           </a:bodyPr>
-          <a:lstStyle/>
-          <a:p>
-            <a:pPr marL="1645949" lvl="0" indent="-1158268" algn="l" rtl="0">
-              <a:spcBef>
-                <a:spcPts val="0"/>
-              </a:spcBef>
-              <a:spcAft>
-                <a:spcPts val="0"/>
-              </a:spcAft>
+          <a:lstStyle>
+            <a:defPPr marR="0" lvl="0" algn="l" rtl="0">
+              <a:lnSpc>
+                <a:spcPct val="100000"/>
+              </a:lnSpc>
+              <a:spcBef>
+                <a:spcPts val="0"/>
+              </a:spcBef>
+              <a:spcAft>
+                <a:spcPts val="0"/>
+              </a:spcAft>
+            </a:defPPr>
+            <a:lvl1pPr marL="457200" marR="0" lvl="0" indent="-320040" algn="l" rtl="0">
+              <a:lnSpc>
+                <a:spcPct val="100000"/>
+              </a:lnSpc>
+              <a:spcBef>
+                <a:spcPts val="4800"/>
+              </a:spcBef>
+              <a:spcAft>
+                <a:spcPts val="0"/>
+              </a:spcAft>
+              <a:buClr>
+                <a:srgbClr val="86D1D8"/>
+              </a:buClr>
+              <a:buSzPts val="1440"/>
+              <a:buFont typeface="Noto Sans Symbols"/>
+              <a:buChar char="►"/>
+              <a:defRPr sz="9600" b="0" i="0" u="none" strike="noStrike" cap="none">
+                <a:solidFill>
+                  <a:schemeClr val="lt1"/>
+                </a:solidFill>
+                <a:latin typeface="Arial"/>
+                <a:ea typeface="Arial"/>
+                <a:cs typeface="Arial"/>
+                <a:sym typeface="Arial"/>
+              </a:defRPr>
+            </a:lvl1pPr>
+            <a:lvl2pPr marL="914400" marR="0" lvl="1" indent="-320040" algn="l" rtl="0">
+              <a:lnSpc>
+                <a:spcPct val="100000"/>
+              </a:lnSpc>
+              <a:spcBef>
+                <a:spcPts val="4800"/>
+              </a:spcBef>
+              <a:spcAft>
+                <a:spcPts val="0"/>
+              </a:spcAft>
+              <a:buClr>
+                <a:srgbClr val="86D1D8"/>
+              </a:buClr>
+              <a:buSzPts val="1440"/>
+              <a:buFont typeface="Noto Sans Symbols"/>
+              <a:buChar char="►"/>
+              <a:defRPr sz="8640" b="0" i="0" u="none" strike="noStrike" cap="none">
+                <a:solidFill>
+                  <a:schemeClr val="lt1"/>
+                </a:solidFill>
+                <a:latin typeface="Arial"/>
+                <a:ea typeface="Arial"/>
+                <a:cs typeface="Arial"/>
+                <a:sym typeface="Arial"/>
+              </a:defRPr>
+            </a:lvl2pPr>
+            <a:lvl3pPr marL="1371600" marR="0" lvl="2" indent="-320039" algn="l" rtl="0">
+              <a:lnSpc>
+                <a:spcPct val="100000"/>
+              </a:lnSpc>
+              <a:spcBef>
+                <a:spcPts val="4800"/>
+              </a:spcBef>
+              <a:spcAft>
+                <a:spcPts val="0"/>
+              </a:spcAft>
+              <a:buClr>
+                <a:srgbClr val="86D1D8"/>
+              </a:buClr>
+              <a:buSzPts val="1440"/>
+              <a:buFont typeface="Noto Sans Symbols"/>
+              <a:buChar char="►"/>
+              <a:defRPr sz="7680" b="0" i="0" u="none" strike="noStrike" cap="none">
+                <a:solidFill>
+                  <a:schemeClr val="lt1"/>
+                </a:solidFill>
+                <a:latin typeface="Arial"/>
+                <a:ea typeface="Arial"/>
+                <a:cs typeface="Arial"/>
+                <a:sym typeface="Arial"/>
+              </a:defRPr>
+            </a:lvl3pPr>
+            <a:lvl4pPr marL="1828800" marR="0" lvl="3" indent="-320039" algn="l" rtl="0">
+              <a:lnSpc>
+                <a:spcPct val="100000"/>
+              </a:lnSpc>
+              <a:spcBef>
+                <a:spcPts val="4800"/>
+              </a:spcBef>
+              <a:spcAft>
+                <a:spcPts val="0"/>
+              </a:spcAft>
+              <a:buClr>
+                <a:srgbClr val="86D1D8"/>
+              </a:buClr>
+              <a:buSzPts val="1440"/>
+              <a:buFont typeface="Noto Sans Symbols"/>
+              <a:buChar char="►"/>
+              <a:defRPr sz="6719" b="0" i="0" u="none" strike="noStrike" cap="none">
+                <a:solidFill>
+                  <a:schemeClr val="lt1"/>
+                </a:solidFill>
+                <a:latin typeface="Arial"/>
+                <a:ea typeface="Arial"/>
+                <a:cs typeface="Arial"/>
+                <a:sym typeface="Arial"/>
+              </a:defRPr>
+            </a:lvl4pPr>
+            <a:lvl5pPr marL="2286000" marR="0" lvl="4" indent="-320039" algn="l" rtl="0">
+              <a:lnSpc>
+                <a:spcPct val="100000"/>
+              </a:lnSpc>
+              <a:spcBef>
+                <a:spcPts val="4800"/>
+              </a:spcBef>
+              <a:spcAft>
+                <a:spcPts val="0"/>
+              </a:spcAft>
+              <a:buClr>
+                <a:srgbClr val="86D1D8"/>
+              </a:buClr>
+              <a:buSzPts val="1440"/>
+              <a:buFont typeface="Noto Sans Symbols"/>
+              <a:buChar char="►"/>
+              <a:defRPr sz="6719" b="0" i="0" u="none" strike="noStrike" cap="none">
+                <a:solidFill>
+                  <a:schemeClr val="lt1"/>
+                </a:solidFill>
+                <a:latin typeface="Arial"/>
+                <a:ea typeface="Arial"/>
+                <a:cs typeface="Arial"/>
+                <a:sym typeface="Arial"/>
+              </a:defRPr>
+            </a:lvl5pPr>
+            <a:lvl6pPr marL="2743200" marR="0" lvl="5" indent="-320039" algn="l" rtl="0">
+              <a:lnSpc>
+                <a:spcPct val="100000"/>
+              </a:lnSpc>
+              <a:spcBef>
+                <a:spcPts val="4800"/>
+              </a:spcBef>
+              <a:spcAft>
+                <a:spcPts val="0"/>
+              </a:spcAft>
+              <a:buClr>
+                <a:srgbClr val="86D1D8"/>
+              </a:buClr>
+              <a:buSzPts val="1440"/>
+              <a:buFont typeface="Noto Sans Symbols"/>
+              <a:buChar char="►"/>
+              <a:defRPr sz="6719" b="0" i="0" u="none" strike="noStrike" cap="none">
+                <a:solidFill>
+                  <a:schemeClr val="lt1"/>
+                </a:solidFill>
+                <a:latin typeface="Arial"/>
+                <a:ea typeface="Arial"/>
+                <a:cs typeface="Arial"/>
+                <a:sym typeface="Arial"/>
+              </a:defRPr>
+            </a:lvl6pPr>
+            <a:lvl7pPr marL="3200400" marR="0" lvl="6" indent="-320039" algn="l" rtl="0">
+              <a:lnSpc>
+                <a:spcPct val="100000"/>
+              </a:lnSpc>
+              <a:spcBef>
+                <a:spcPts val="4800"/>
+              </a:spcBef>
+              <a:spcAft>
+                <a:spcPts val="0"/>
+              </a:spcAft>
+              <a:buClr>
+                <a:srgbClr val="86D1D8"/>
+              </a:buClr>
+              <a:buSzPts val="1440"/>
+              <a:buFont typeface="Noto Sans Symbols"/>
+              <a:buChar char="►"/>
+              <a:defRPr sz="6719" b="0" i="0" u="none" strike="noStrike" cap="none">
+                <a:solidFill>
+                  <a:schemeClr val="lt1"/>
+                </a:solidFill>
+                <a:latin typeface="Arial"/>
+                <a:ea typeface="Arial"/>
+                <a:cs typeface="Arial"/>
+                <a:sym typeface="Arial"/>
+              </a:defRPr>
+            </a:lvl7pPr>
+            <a:lvl8pPr marL="3657600" marR="0" lvl="7" indent="-320040" algn="l" rtl="0">
+              <a:lnSpc>
+                <a:spcPct val="100000"/>
+              </a:lnSpc>
+              <a:spcBef>
+                <a:spcPts val="4800"/>
+              </a:spcBef>
+              <a:spcAft>
+                <a:spcPts val="0"/>
+              </a:spcAft>
+              <a:buClr>
+                <a:srgbClr val="86D1D8"/>
+              </a:buClr>
+              <a:buSzPts val="1440"/>
+              <a:buFont typeface="Noto Sans Symbols"/>
+              <a:buChar char="►"/>
+              <a:defRPr sz="6719" b="0" i="0" u="none" strike="noStrike" cap="none">
+                <a:solidFill>
+                  <a:schemeClr val="lt1"/>
+                </a:solidFill>
+                <a:latin typeface="Arial"/>
+                <a:ea typeface="Arial"/>
+                <a:cs typeface="Arial"/>
+                <a:sym typeface="Arial"/>
+              </a:defRPr>
+            </a:lvl8pPr>
+            <a:lvl9pPr marL="4114800" marR="0" lvl="8" indent="-320040" algn="l" rtl="0">
+              <a:lnSpc>
+                <a:spcPct val="100000"/>
+              </a:lnSpc>
+              <a:spcBef>
+                <a:spcPts val="4800"/>
+              </a:spcBef>
+              <a:spcAft>
+                <a:spcPts val="0"/>
+              </a:spcAft>
+              <a:buClr>
+                <a:srgbClr val="86D1D8"/>
+              </a:buClr>
+              <a:buSzPts val="1440"/>
+              <a:buFont typeface="Noto Sans Symbols"/>
+              <a:buChar char="►"/>
+              <a:defRPr sz="6719" b="0" i="0" u="none" strike="noStrike" cap="none">
+                <a:solidFill>
+                  <a:schemeClr val="lt1"/>
+                </a:solidFill>
+                <a:latin typeface="Arial"/>
+                <a:ea typeface="Arial"/>
+                <a:cs typeface="Arial"/>
+                <a:sym typeface="Arial"/>
+              </a:defRPr>
+            </a:lvl9pPr>
+          </a:lstStyle>
+          <a:p>
+            <a:pPr marL="1645949" indent="-1158269">
+              <a:spcBef>
+                <a:spcPts val="0"/>
+              </a:spcBef>
               <a:buSzPts val="7680"/>
-              <a:buNone/>
             </a:pPr>
-            <a:endParaRPr/>
+            <a:r>
+              <a:rPr lang="en-US"/>
+              <a:t>Statistically speaking the project chances of success were low to begin with</a:t>
+            </a:r>
+          </a:p>
+          <a:p>
+            <a:pPr marL="1645949" indent="-1158269">
+              <a:spcBef>
+                <a:spcPts val="0"/>
+              </a:spcBef>
+              <a:buSzPts val="7680"/>
+            </a:pPr>
+            <a:r>
+              <a:rPr lang="en-US"/>
+              <a:t>Felt we had a responsibility to see the project through because of the data being related to people's mental health</a:t>
+            </a:r>
+          </a:p>
+          <a:p>
+            <a:pPr marL="1645949" indent="-1158269">
+              <a:spcBef>
+                <a:spcPts val="0"/>
+              </a:spcBef>
+              <a:buSzPts val="7680"/>
+            </a:pPr>
+            <a:r>
+              <a:rPr lang="en-US"/>
+              <a:t>Many different things to troubleshoot with the code and the customer</a:t>
+            </a:r>
+            <a:endParaRPr lang="en-US" dirty="0"/>
+          </a:p>
+        </p:txBody>
+      </p:sp>
+      <p:sp>
+        <p:nvSpPr>
+          <p:cNvPr id="10" name="Google Shape;196;p22">
+            <a:extLst>
+              <a:ext uri="{FF2B5EF4-FFF2-40B4-BE49-F238E27FC236}">
+                <a16:creationId xmlns:a16="http://schemas.microsoft.com/office/drawing/2014/main" id="{CDB26013-E64D-4894-8C7E-56A872EFA8F4}"/>
+              </a:ext>
+            </a:extLst>
+          </p:cNvPr>
+          <p:cNvSpPr txBox="1">
+            <a:spLocks/>
+          </p:cNvSpPr>
+          <p:nvPr/>
+        </p:nvSpPr>
+        <p:spPr>
+          <a:xfrm>
+            <a:off x="1536252" y="6613020"/>
+            <a:ext cx="18141636" cy="23085500"/>
+          </a:xfrm>
+          <a:prstGeom prst="rect">
+            <a:avLst/>
+          </a:prstGeom>
+          <a:noFill/>
+          <a:ln>
+            <a:noFill/>
+          </a:ln>
+        </p:spPr>
+        <p:txBody>
+          <a:bodyPr spcFirstLastPara="1" wrap="square" lIns="91425" tIns="45700" rIns="91425" bIns="45700" anchor="t" anchorCtr="0">
+            <a:normAutofit fontScale="92500" lnSpcReduction="10000"/>
+          </a:bodyPr>
+          <a:lstStyle>
+            <a:defPPr marR="0" lvl="0" algn="l" rtl="0">
+              <a:lnSpc>
+                <a:spcPct val="100000"/>
+              </a:lnSpc>
+              <a:spcBef>
+                <a:spcPts val="0"/>
+              </a:spcBef>
+              <a:spcAft>
+                <a:spcPts val="0"/>
+              </a:spcAft>
+            </a:defPPr>
+            <a:lvl1pPr marL="457200" marR="0" lvl="0" indent="-320040" algn="l" rtl="0">
+              <a:lnSpc>
+                <a:spcPct val="100000"/>
+              </a:lnSpc>
+              <a:spcBef>
+                <a:spcPts val="4800"/>
+              </a:spcBef>
+              <a:spcAft>
+                <a:spcPts val="0"/>
+              </a:spcAft>
+              <a:buClr>
+                <a:srgbClr val="86D1D8"/>
+              </a:buClr>
+              <a:buSzPts val="1440"/>
+              <a:buFont typeface="Noto Sans Symbols"/>
+              <a:buChar char="►"/>
+              <a:defRPr sz="9600" b="0" i="0" u="none" strike="noStrike" cap="none">
+                <a:solidFill>
+                  <a:schemeClr val="lt1"/>
+                </a:solidFill>
+                <a:latin typeface="Arial"/>
+                <a:ea typeface="Arial"/>
+                <a:cs typeface="Arial"/>
+                <a:sym typeface="Arial"/>
+              </a:defRPr>
+            </a:lvl1pPr>
+            <a:lvl2pPr marL="914400" marR="0" lvl="1" indent="-320040" algn="l" rtl="0">
+              <a:lnSpc>
+                <a:spcPct val="100000"/>
+              </a:lnSpc>
+              <a:spcBef>
+                <a:spcPts val="4800"/>
+              </a:spcBef>
+              <a:spcAft>
+                <a:spcPts val="0"/>
+              </a:spcAft>
+              <a:buClr>
+                <a:srgbClr val="86D1D8"/>
+              </a:buClr>
+              <a:buSzPts val="1440"/>
+              <a:buFont typeface="Noto Sans Symbols"/>
+              <a:buChar char="►"/>
+              <a:defRPr sz="8640" b="0" i="0" u="none" strike="noStrike" cap="none">
+                <a:solidFill>
+                  <a:schemeClr val="lt1"/>
+                </a:solidFill>
+                <a:latin typeface="Arial"/>
+                <a:ea typeface="Arial"/>
+                <a:cs typeface="Arial"/>
+                <a:sym typeface="Arial"/>
+              </a:defRPr>
+            </a:lvl2pPr>
+            <a:lvl3pPr marL="1371600" marR="0" lvl="2" indent="-320039" algn="l" rtl="0">
+              <a:lnSpc>
+                <a:spcPct val="100000"/>
+              </a:lnSpc>
+              <a:spcBef>
+                <a:spcPts val="4800"/>
+              </a:spcBef>
+              <a:spcAft>
+                <a:spcPts val="0"/>
+              </a:spcAft>
+              <a:buClr>
+                <a:srgbClr val="86D1D8"/>
+              </a:buClr>
+              <a:buSzPts val="1440"/>
+              <a:buFont typeface="Noto Sans Symbols"/>
+              <a:buChar char="►"/>
+              <a:defRPr sz="7680" b="0" i="0" u="none" strike="noStrike" cap="none">
+                <a:solidFill>
+                  <a:schemeClr val="lt1"/>
+                </a:solidFill>
+                <a:latin typeface="Arial"/>
+                <a:ea typeface="Arial"/>
+                <a:cs typeface="Arial"/>
+                <a:sym typeface="Arial"/>
+              </a:defRPr>
+            </a:lvl3pPr>
+            <a:lvl4pPr marL="1828800" marR="0" lvl="3" indent="-320039" algn="l" rtl="0">
+              <a:lnSpc>
+                <a:spcPct val="100000"/>
+              </a:lnSpc>
+              <a:spcBef>
+                <a:spcPts val="4800"/>
+              </a:spcBef>
+              <a:spcAft>
+                <a:spcPts val="0"/>
+              </a:spcAft>
+              <a:buClr>
+                <a:srgbClr val="86D1D8"/>
+              </a:buClr>
+              <a:buSzPts val="1440"/>
+              <a:buFont typeface="Noto Sans Symbols"/>
+              <a:buChar char="►"/>
+              <a:defRPr sz="6719" b="0" i="0" u="none" strike="noStrike" cap="none">
+                <a:solidFill>
+                  <a:schemeClr val="lt1"/>
+                </a:solidFill>
+                <a:latin typeface="Arial"/>
+                <a:ea typeface="Arial"/>
+                <a:cs typeface="Arial"/>
+                <a:sym typeface="Arial"/>
+              </a:defRPr>
+            </a:lvl4pPr>
+            <a:lvl5pPr marL="2286000" marR="0" lvl="4" indent="-320039" algn="l" rtl="0">
+              <a:lnSpc>
+                <a:spcPct val="100000"/>
+              </a:lnSpc>
+              <a:spcBef>
+                <a:spcPts val="4800"/>
+              </a:spcBef>
+              <a:spcAft>
+                <a:spcPts val="0"/>
+              </a:spcAft>
+              <a:buClr>
+                <a:srgbClr val="86D1D8"/>
+              </a:buClr>
+              <a:buSzPts val="1440"/>
+              <a:buFont typeface="Noto Sans Symbols"/>
+              <a:buChar char="►"/>
+              <a:defRPr sz="6719" b="0" i="0" u="none" strike="noStrike" cap="none">
+                <a:solidFill>
+                  <a:schemeClr val="lt1"/>
+                </a:solidFill>
+                <a:latin typeface="Arial"/>
+                <a:ea typeface="Arial"/>
+                <a:cs typeface="Arial"/>
+                <a:sym typeface="Arial"/>
+              </a:defRPr>
+            </a:lvl5pPr>
+            <a:lvl6pPr marL="2743200" marR="0" lvl="5" indent="-320039" algn="l" rtl="0">
+              <a:lnSpc>
+                <a:spcPct val="100000"/>
+              </a:lnSpc>
+              <a:spcBef>
+                <a:spcPts val="4800"/>
+              </a:spcBef>
+              <a:spcAft>
+                <a:spcPts val="0"/>
+              </a:spcAft>
+              <a:buClr>
+                <a:srgbClr val="86D1D8"/>
+              </a:buClr>
+              <a:buSzPts val="1440"/>
+              <a:buFont typeface="Noto Sans Symbols"/>
+              <a:buChar char="►"/>
+              <a:defRPr sz="6719" b="0" i="0" u="none" strike="noStrike" cap="none">
+                <a:solidFill>
+                  <a:schemeClr val="lt1"/>
+                </a:solidFill>
+                <a:latin typeface="Arial"/>
+                <a:ea typeface="Arial"/>
+                <a:cs typeface="Arial"/>
+                <a:sym typeface="Arial"/>
+              </a:defRPr>
+            </a:lvl6pPr>
+            <a:lvl7pPr marL="3200400" marR="0" lvl="6" indent="-320039" algn="l" rtl="0">
+              <a:lnSpc>
+                <a:spcPct val="100000"/>
+              </a:lnSpc>
+              <a:spcBef>
+                <a:spcPts val="4800"/>
+              </a:spcBef>
+              <a:spcAft>
+                <a:spcPts val="0"/>
+              </a:spcAft>
+              <a:buClr>
+                <a:srgbClr val="86D1D8"/>
+              </a:buClr>
+              <a:buSzPts val="1440"/>
+              <a:buFont typeface="Noto Sans Symbols"/>
+              <a:buChar char="►"/>
+              <a:defRPr sz="6719" b="0" i="0" u="none" strike="noStrike" cap="none">
+                <a:solidFill>
+                  <a:schemeClr val="lt1"/>
+                </a:solidFill>
+                <a:latin typeface="Arial"/>
+                <a:ea typeface="Arial"/>
+                <a:cs typeface="Arial"/>
+                <a:sym typeface="Arial"/>
+              </a:defRPr>
+            </a:lvl7pPr>
+            <a:lvl8pPr marL="3657600" marR="0" lvl="7" indent="-320040" algn="l" rtl="0">
+              <a:lnSpc>
+                <a:spcPct val="100000"/>
+              </a:lnSpc>
+              <a:spcBef>
+                <a:spcPts val="4800"/>
+              </a:spcBef>
+              <a:spcAft>
+                <a:spcPts val="0"/>
+              </a:spcAft>
+              <a:buClr>
+                <a:srgbClr val="86D1D8"/>
+              </a:buClr>
+              <a:buSzPts val="1440"/>
+              <a:buFont typeface="Noto Sans Symbols"/>
+              <a:buChar char="►"/>
+              <a:defRPr sz="6719" b="0" i="0" u="none" strike="noStrike" cap="none">
+                <a:solidFill>
+                  <a:schemeClr val="lt1"/>
+                </a:solidFill>
+                <a:latin typeface="Arial"/>
+                <a:ea typeface="Arial"/>
+                <a:cs typeface="Arial"/>
+                <a:sym typeface="Arial"/>
+              </a:defRPr>
+            </a:lvl8pPr>
+            <a:lvl9pPr marL="4114800" marR="0" lvl="8" indent="-320040" algn="l" rtl="0">
+              <a:lnSpc>
+                <a:spcPct val="100000"/>
+              </a:lnSpc>
+              <a:spcBef>
+                <a:spcPts val="4800"/>
+              </a:spcBef>
+              <a:spcAft>
+                <a:spcPts val="0"/>
+              </a:spcAft>
+              <a:buClr>
+                <a:srgbClr val="86D1D8"/>
+              </a:buClr>
+              <a:buSzPts val="1440"/>
+              <a:buFont typeface="Noto Sans Symbols"/>
+              <a:buChar char="►"/>
+              <a:defRPr sz="6719" b="0" i="0" u="none" strike="noStrike" cap="none">
+                <a:solidFill>
+                  <a:schemeClr val="lt1"/>
+                </a:solidFill>
+                <a:latin typeface="Arial"/>
+                <a:ea typeface="Arial"/>
+                <a:cs typeface="Arial"/>
+                <a:sym typeface="Arial"/>
+              </a:defRPr>
+            </a:lvl9pPr>
+          </a:lstStyle>
+          <a:p>
+            <a:pPr marL="1645949" indent="-1158269">
+              <a:spcBef>
+                <a:spcPts val="0"/>
+              </a:spcBef>
+              <a:buSzPts val="7680"/>
+            </a:pPr>
+            <a:r>
+              <a:rPr lang="en-US" dirty="0">
+                <a:hlinkClick r:id="rId5"/>
+              </a:rPr>
+              <a:t>In an article on Feb. 13</a:t>
+            </a:r>
+            <a:r>
+              <a:rPr lang="en-US" baseline="30000" dirty="0">
+                <a:hlinkClick r:id="rId5"/>
+              </a:rPr>
+              <a:t>th</a:t>
+            </a:r>
+            <a:r>
+              <a:rPr lang="en-US" dirty="0">
+                <a:hlinkClick r:id="rId5"/>
+              </a:rPr>
+              <a:t> 2021 from </a:t>
+            </a:r>
+            <a:r>
+              <a:rPr lang="en-US" i="1" dirty="0">
+                <a:hlinkClick r:id="rId5"/>
+              </a:rPr>
+              <a:t>“Data Science Process Alliance”</a:t>
+            </a:r>
+            <a:r>
+              <a:rPr lang="en-US" dirty="0">
+                <a:hlinkClick r:id="rId5"/>
+              </a:rPr>
+              <a:t> titled </a:t>
+            </a:r>
+            <a:r>
+              <a:rPr lang="en-US" i="1" dirty="0">
+                <a:hlinkClick r:id="rId5"/>
+              </a:rPr>
+              <a:t>“Why Big Data Science &amp; Data Analytics Projects Fail”</a:t>
+            </a:r>
+            <a:endParaRPr lang="en-US" i="1" dirty="0"/>
+          </a:p>
+          <a:p>
+            <a:pPr marL="2103149" lvl="1" indent="-1158269">
+              <a:spcBef>
+                <a:spcPts val="0"/>
+              </a:spcBef>
+              <a:buSzPts val="7680"/>
+            </a:pPr>
+            <a:r>
+              <a:rPr lang="en-US" dirty="0"/>
+              <a:t>“Through 2022, only 20% of analytic insights will deliver business outcomes” (</a:t>
+            </a:r>
+            <a:r>
+              <a:rPr lang="en-US" b="0" i="0" u="none" strike="noStrike" dirty="0">
+                <a:solidFill>
+                  <a:srgbClr val="D67A7A"/>
+                </a:solidFill>
+                <a:effectLst/>
+                <a:latin typeface="Raleway"/>
+                <a:hlinkClick r:id="rId6"/>
+              </a:rPr>
+              <a:t>Gartner</a:t>
+            </a:r>
+            <a:r>
+              <a:rPr lang="en-US" dirty="0"/>
+              <a:t>, 2019)</a:t>
+            </a:r>
+          </a:p>
+          <a:p>
+            <a:pPr marL="2103149" lvl="1" indent="-1158269">
+              <a:spcBef>
+                <a:spcPts val="0"/>
+              </a:spcBef>
+              <a:buSzPts val="7680"/>
+            </a:pPr>
+            <a:r>
+              <a:rPr lang="en-US" dirty="0"/>
+              <a:t>Lists 8 reasons why projects fail:</a:t>
+            </a:r>
+          </a:p>
+          <a:p>
+            <a:pPr marL="2316480" lvl="1" indent="-1371600">
+              <a:spcBef>
+                <a:spcPts val="0"/>
+              </a:spcBef>
+              <a:buSzPts val="7680"/>
+              <a:buFont typeface="+mj-lt"/>
+              <a:buAutoNum type="arabicPeriod"/>
+            </a:pPr>
+            <a:r>
+              <a:rPr lang="en-US" dirty="0"/>
+              <a:t>Not having the Right Data</a:t>
+            </a:r>
+          </a:p>
+          <a:p>
+            <a:pPr marL="2316480" lvl="1" indent="-1371600">
+              <a:spcBef>
+                <a:spcPts val="0"/>
+              </a:spcBef>
+              <a:buSzPts val="7680"/>
+              <a:buFont typeface="+mj-lt"/>
+              <a:buAutoNum type="arabicPeriod"/>
+            </a:pPr>
+            <a:r>
+              <a:rPr lang="en-US" dirty="0"/>
+              <a:t>Not having the Right Talent</a:t>
+            </a:r>
+          </a:p>
+          <a:p>
+            <a:pPr marL="2316480" lvl="1" indent="-1371600">
+              <a:spcBef>
+                <a:spcPts val="0"/>
+              </a:spcBef>
+              <a:buSzPts val="7680"/>
+              <a:buFont typeface="+mj-lt"/>
+              <a:buAutoNum type="arabicPeriod"/>
+            </a:pPr>
+            <a:r>
+              <a:rPr lang="en-US" dirty="0"/>
+              <a:t>Solving the Wrong Problem</a:t>
+            </a:r>
+          </a:p>
+          <a:p>
+            <a:pPr marL="2316480" lvl="1" indent="-1371600">
+              <a:spcBef>
+                <a:spcPts val="0"/>
+              </a:spcBef>
+              <a:buSzPts val="7680"/>
+              <a:buFont typeface="+mj-lt"/>
+              <a:buAutoNum type="arabicPeriod"/>
+            </a:pPr>
+            <a:r>
+              <a:rPr lang="en-US" dirty="0"/>
+              <a:t>Not Deploying Value</a:t>
+            </a:r>
+          </a:p>
+          <a:p>
+            <a:pPr marL="2316480" lvl="1" indent="-1371600">
+              <a:spcBef>
+                <a:spcPts val="0"/>
+              </a:spcBef>
+              <a:buSzPts val="7680"/>
+              <a:buFont typeface="+mj-lt"/>
+              <a:buAutoNum type="arabicPeriod"/>
+            </a:pPr>
+            <a:r>
+              <a:rPr lang="en-US" dirty="0"/>
+              <a:t>Thinking Deployment is the Last Step</a:t>
+            </a:r>
+          </a:p>
+          <a:p>
+            <a:pPr marL="2316480" lvl="1" indent="-1371600">
+              <a:spcBef>
+                <a:spcPts val="0"/>
+              </a:spcBef>
+              <a:buSzPts val="7680"/>
+              <a:buFont typeface="+mj-lt"/>
+              <a:buAutoNum type="arabicPeriod"/>
+            </a:pPr>
+            <a:r>
+              <a:rPr lang="en-US" dirty="0"/>
+              <a:t>Applying the Wrong (or No) Process</a:t>
+            </a:r>
+          </a:p>
+          <a:p>
+            <a:pPr marL="2316480" lvl="1" indent="-1371600">
+              <a:spcBef>
+                <a:spcPts val="0"/>
+              </a:spcBef>
+              <a:buSzPts val="7680"/>
+              <a:buFont typeface="+mj-lt"/>
+              <a:buAutoNum type="arabicPeriod"/>
+            </a:pPr>
+            <a:r>
+              <a:rPr lang="en-US" dirty="0"/>
+              <a:t>Forgetting Ethics</a:t>
+            </a:r>
+          </a:p>
+          <a:p>
+            <a:pPr marL="2316480" lvl="1" indent="-1371600">
+              <a:spcBef>
+                <a:spcPts val="0"/>
+              </a:spcBef>
+              <a:buSzPts val="7680"/>
+              <a:buFont typeface="+mj-lt"/>
+              <a:buAutoNum type="arabicPeriod"/>
+            </a:pPr>
+            <a:r>
+              <a:rPr lang="en-US" dirty="0"/>
+              <a:t>Overlooking Culture</a:t>
+            </a:r>
           </a:p>
         </p:txBody>
       </p:sp>
@@ -19988,7 +22603,7 @@
 </p:sld>
 </file>
 
-<file path=ppt/slides/slide11.xml><?xml version="1.0" encoding="utf-8"?>
+<file path=ppt/slides/slide15.xml><?xml version="1.0" encoding="utf-8"?>
 <p:sld xmlns:a="http://schemas.openxmlformats.org/drawingml/2006/main" xmlns:r="http://schemas.openxmlformats.org/officeDocument/2006/relationships" xmlns:p="http://schemas.openxmlformats.org/presentationml/2006/main">
   <p:cSld>
     <p:spTree>
@@ -20953,44 +23568,26 @@
       </p:sp>
       <p:sp>
         <p:nvSpPr>
-          <p:cNvPr id="185" name="Google Shape;185;p21"/>
-          <p:cNvSpPr txBox="1">
+          <p:cNvPr id="4" name="Text Placeholder 3">
+            <a:extLst>
+              <a:ext uri="{FF2B5EF4-FFF2-40B4-BE49-F238E27FC236}">
+                <a16:creationId xmlns:a16="http://schemas.microsoft.com/office/drawing/2014/main" id="{C1EA5D95-D323-4365-9AF2-1265DD964BB6}"/>
+              </a:ext>
+            </a:extLst>
+          </p:cNvPr>
+          <p:cNvSpPr>
             <a:spLocks noGrp="1"/>
           </p:cNvSpPr>
           <p:nvPr>
             <p:ph type="body" idx="1"/>
           </p:nvPr>
         </p:nvSpPr>
-        <p:spPr>
-          <a:xfrm>
-            <a:off x="3017520" y="6080760"/>
-            <a:ext cx="37856160" cy="22265639"/>
-          </a:xfrm>
-          <a:prstGeom prst="rect">
-            <a:avLst/>
-          </a:prstGeom>
-          <a:noFill/>
-          <a:ln>
-            <a:noFill/>
-          </a:ln>
-        </p:spPr>
+        <p:spPr/>
         <p:txBody>
-          <a:bodyPr spcFirstLastPara="1" wrap="square" lIns="91425" tIns="45700" rIns="91425" bIns="45700" anchor="t" anchorCtr="0">
-            <a:normAutofit/>
-          </a:bodyPr>
+          <a:bodyPr/>
           <a:lstStyle/>
           <a:p>
-            <a:pPr marL="1645949" lvl="0" indent="-1158268" algn="l" rtl="0">
-              <a:spcBef>
-                <a:spcPts val="0"/>
-              </a:spcBef>
-              <a:spcAft>
-                <a:spcPts val="0"/>
-              </a:spcAft>
-              <a:buSzPts val="7680"/>
-              <a:buNone/>
-            </a:pPr>
-            <a:endParaRPr/>
+            <a:endParaRPr lang="en-US"/>
           </a:p>
         </p:txBody>
       </p:sp>
@@ -21277,22 +23874,28 @@
               <a:buNone/>
             </a:pPr>
             <a:r>
-              <a:rPr lang="en-US" b="1" i="1">
+              <a:rPr lang="en-US" b="1" i="1" dirty="0">
                 <a:latin typeface="Times New Roman"/>
                 <a:ea typeface="Times New Roman"/>
                 <a:cs typeface="Times New Roman"/>
                 <a:sym typeface="Times New Roman"/>
               </a:rPr>
-              <a:t>Introduction</a:t>
+              <a:t>Introduction I</a:t>
             </a:r>
-            <a:endParaRPr/>
+            <a:endParaRPr dirty="0"/>
           </a:p>
         </p:txBody>
       </p:sp>
       <p:sp>
         <p:nvSpPr>
-          <p:cNvPr id="196" name="Google Shape;196;p22"/>
-          <p:cNvSpPr txBox="1">
+          <p:cNvPr id="7" name="Text Placeholder 6">
+            <a:extLst>
+              <a:ext uri="{FF2B5EF4-FFF2-40B4-BE49-F238E27FC236}">
+                <a16:creationId xmlns:a16="http://schemas.microsoft.com/office/drawing/2014/main" id="{39EBB1BC-54E3-4420-B270-BEEBCF84E531}"/>
+              </a:ext>
+            </a:extLst>
+          </p:cNvPr>
+          <p:cNvSpPr>
             <a:spLocks noGrp="1"/>
           </p:cNvSpPr>
           <p:nvPr>
@@ -21301,8 +23904,363 @@
         </p:nvSpPr>
         <p:spPr>
           <a:xfrm>
-            <a:off x="3017520" y="6080760"/>
-            <a:ext cx="37856100" cy="22265700"/>
+            <a:off x="2071007" y="6940897"/>
+            <a:ext cx="37132921" cy="23211933"/>
+          </a:xfrm>
+        </p:spPr>
+        <p:txBody>
+          <a:bodyPr>
+            <a:normAutofit/>
+          </a:bodyPr>
+          <a:lstStyle/>
+          <a:p>
+            <a:pPr marL="137160" indent="0">
+              <a:buNone/>
+            </a:pPr>
+            <a:r>
+              <a:rPr lang="en-US" dirty="0"/>
+              <a:t>Organization: Plan4Co</a:t>
+            </a:r>
+          </a:p>
+          <a:p>
+            <a:pPr marL="137160" indent="0">
+              <a:buNone/>
+            </a:pPr>
+            <a:r>
+              <a:rPr lang="en-US" dirty="0"/>
+              <a:t>Preceptor: Mark Charipar,</a:t>
+            </a:r>
+          </a:p>
+          <a:p>
+            <a:pPr marL="137160" indent="0">
+              <a:buNone/>
+            </a:pPr>
+            <a:r>
+              <a:rPr lang="en-US" dirty="0"/>
+              <a:t>							Project Manager</a:t>
+            </a:r>
+          </a:p>
+          <a:p>
+            <a:pPr marL="137160" indent="0">
+              <a:buNone/>
+            </a:pPr>
+            <a:r>
+              <a:rPr lang="en-US" dirty="0"/>
+              <a:t>							Data Scientist</a:t>
+            </a:r>
+          </a:p>
+          <a:p>
+            <a:pPr marL="137160" indent="0">
+              <a:buNone/>
+            </a:pPr>
+            <a:r>
+              <a:rPr lang="en-US" dirty="0"/>
+              <a:t>About the Organization’s Structure: Plan4Co is a relatively new data science startup with less than 75 contractors.  Plan4Co specializes solving data science problems and needs for small businesses for a competitive price, while offering a polished product and a </a:t>
+            </a:r>
+            <a:r>
+              <a:rPr lang="en-US" i="1" dirty="0"/>
+              <a:t>“can do attitude”.</a:t>
+            </a:r>
+          </a:p>
+          <a:p>
+            <a:pPr marL="137160" indent="0">
+              <a:buNone/>
+            </a:pPr>
+            <a:r>
+              <a:rPr lang="en-US" dirty="0"/>
+              <a:t>About the Project:  The project involved a non-for-profit call center and forecasting the number of calls that are related to mental health.</a:t>
+            </a:r>
+          </a:p>
+        </p:txBody>
+      </p:sp>
+      <p:pic>
+        <p:nvPicPr>
+          <p:cNvPr id="16" name="Picture 15" descr="Logo&#10;&#10;Description automatically generated">
+            <a:extLst>
+              <a:ext uri="{FF2B5EF4-FFF2-40B4-BE49-F238E27FC236}">
+                <a16:creationId xmlns:a16="http://schemas.microsoft.com/office/drawing/2014/main" id="{8BBEA8C5-D2DD-4747-9D94-CA90E1363234}"/>
+              </a:ext>
+            </a:extLst>
+          </p:cNvPr>
+          <p:cNvPicPr>
+            <a:picLocks noChangeAspect="1"/>
+          </p:cNvPicPr>
+          <p:nvPr/>
+        </p:nvPicPr>
+        <p:blipFill rotWithShape="1">
+          <a:blip r:embed="rId5" cstate="print">
+            <a:extLst>
+              <a:ext uri="{28A0092B-C50C-407E-A947-70E740481C1C}">
+                <a14:useLocalDpi xmlns:a14="http://schemas.microsoft.com/office/drawing/2010/main" val="0"/>
+              </a:ext>
+            </a:extLst>
+          </a:blip>
+          <a:srcRect t="1079" r="3" b="2508"/>
+          <a:stretch/>
+        </p:blipFill>
+        <p:spPr>
+          <a:xfrm>
+            <a:off x="19129248" y="7094217"/>
+            <a:ext cx="10434807" cy="7998257"/>
+          </a:xfrm>
+          <a:prstGeom prst="rect">
+            <a:avLst/>
+          </a:prstGeom>
+        </p:spPr>
+      </p:pic>
+    </p:spTree>
+  </p:cSld>
+  <p:clrMapOvr>
+    <a:masterClrMapping/>
+  </p:clrMapOvr>
+</p:sld>
+</file>
+
+<file path=ppt/slides/slide5.xml><?xml version="1.0" encoding="utf-8"?>
+<p:sld xmlns:a="http://schemas.openxmlformats.org/drawingml/2006/main" xmlns:r="http://schemas.openxmlformats.org/officeDocument/2006/relationships" xmlns:p="http://schemas.openxmlformats.org/presentationml/2006/main">
+  <p:cSld>
+    <p:spTree>
+      <p:nvGrpSpPr>
+        <p:cNvPr id="1" name="Shape 189"/>
+        <p:cNvGrpSpPr/>
+        <p:nvPr/>
+      </p:nvGrpSpPr>
+      <p:grpSpPr>
+        <a:xfrm>
+          <a:off x="0" y="0"/>
+          <a:ext cx="0" cy="0"/>
+          <a:chOff x="0" y="0"/>
+          <a:chExt cx="0" cy="0"/>
+        </a:xfrm>
+      </p:grpSpPr>
+      <p:sp>
+        <p:nvSpPr>
+          <p:cNvPr id="190" name="Google Shape;190;p22"/>
+          <p:cNvSpPr/>
+          <p:nvPr/>
+        </p:nvSpPr>
+        <p:spPr>
+          <a:xfrm>
+            <a:off x="0" y="0"/>
+            <a:ext cx="43891200" cy="4389000"/>
+          </a:xfrm>
+          <a:prstGeom prst="rect">
+            <a:avLst/>
+          </a:prstGeom>
+          <a:solidFill>
+            <a:srgbClr val="840F0E"/>
+          </a:solidFill>
+          <a:ln w="19050" cap="rnd" cmpd="sng">
+            <a:solidFill>
+              <a:srgbClr val="800F0D"/>
+            </a:solidFill>
+            <a:prstDash val="solid"/>
+            <a:round/>
+            <a:headEnd type="none" w="sm" len="sm"/>
+            <a:tailEnd type="none" w="sm" len="sm"/>
+          </a:ln>
+        </p:spPr>
+        <p:txBody>
+          <a:bodyPr spcFirstLastPara="1" wrap="square" lIns="91425" tIns="45700" rIns="91425" bIns="45700" anchor="ctr" anchorCtr="0">
+            <a:noAutofit/>
+          </a:bodyPr>
+          <a:lstStyle/>
+          <a:p>
+            <a:pPr marL="0" marR="0" lvl="0" indent="0" algn="ctr" rtl="0">
+              <a:spcBef>
+                <a:spcPts val="0"/>
+              </a:spcBef>
+              <a:spcAft>
+                <a:spcPts val="0"/>
+              </a:spcAft>
+              <a:buNone/>
+            </a:pPr>
+            <a:endParaRPr sz="1800">
+              <a:solidFill>
+                <a:schemeClr val="lt1"/>
+              </a:solidFill>
+              <a:latin typeface="Arial"/>
+              <a:ea typeface="Arial"/>
+              <a:cs typeface="Arial"/>
+              <a:sym typeface="Arial"/>
+            </a:endParaRPr>
+          </a:p>
+        </p:txBody>
+      </p:sp>
+      <p:sp>
+        <p:nvSpPr>
+          <p:cNvPr id="191" name="Google Shape;191;p22"/>
+          <p:cNvSpPr/>
+          <p:nvPr/>
+        </p:nvSpPr>
+        <p:spPr>
+          <a:xfrm>
+            <a:off x="0" y="32766000"/>
+            <a:ext cx="43891200" cy="152400"/>
+          </a:xfrm>
+          <a:prstGeom prst="rect">
+            <a:avLst/>
+          </a:prstGeom>
+          <a:solidFill>
+            <a:srgbClr val="840F0E"/>
+          </a:solidFill>
+          <a:ln w="19050" cap="rnd" cmpd="sng">
+            <a:solidFill>
+              <a:srgbClr val="800F0D"/>
+            </a:solidFill>
+            <a:prstDash val="solid"/>
+            <a:round/>
+            <a:headEnd type="none" w="sm" len="sm"/>
+            <a:tailEnd type="none" w="sm" len="sm"/>
+          </a:ln>
+        </p:spPr>
+        <p:txBody>
+          <a:bodyPr spcFirstLastPara="1" wrap="square" lIns="91425" tIns="45700" rIns="91425" bIns="45700" anchor="ctr" anchorCtr="0">
+            <a:noAutofit/>
+          </a:bodyPr>
+          <a:lstStyle/>
+          <a:p>
+            <a:pPr marL="0" marR="0" lvl="0" indent="0" algn="ctr" rtl="0">
+              <a:spcBef>
+                <a:spcPts val="0"/>
+              </a:spcBef>
+              <a:spcAft>
+                <a:spcPts val="0"/>
+              </a:spcAft>
+              <a:buNone/>
+            </a:pPr>
+            <a:endParaRPr sz="1800">
+              <a:solidFill>
+                <a:schemeClr val="lt1"/>
+              </a:solidFill>
+              <a:latin typeface="Arial"/>
+              <a:ea typeface="Arial"/>
+              <a:cs typeface="Arial"/>
+              <a:sym typeface="Arial"/>
+            </a:endParaRPr>
+          </a:p>
+        </p:txBody>
+      </p:sp>
+      <p:sp>
+        <p:nvSpPr>
+          <p:cNvPr id="192" name="Google Shape;192;p22"/>
+          <p:cNvSpPr txBox="1"/>
+          <p:nvPr/>
+        </p:nvSpPr>
+        <p:spPr>
+          <a:xfrm>
+            <a:off x="0" y="3219880"/>
+            <a:ext cx="43891200" cy="1015800"/>
+          </a:xfrm>
+          <a:prstGeom prst="rect">
+            <a:avLst/>
+          </a:prstGeom>
+          <a:noFill/>
+          <a:ln w="9525" cap="flat" cmpd="sng">
+            <a:solidFill>
+              <a:srgbClr val="840F0E"/>
+            </a:solidFill>
+            <a:prstDash val="solid"/>
+            <a:round/>
+            <a:headEnd type="none" w="sm" len="sm"/>
+            <a:tailEnd type="none" w="sm" len="sm"/>
+          </a:ln>
+        </p:spPr>
+        <p:txBody>
+          <a:bodyPr spcFirstLastPara="1" wrap="square" lIns="91425" tIns="45700" rIns="91425" bIns="45700" anchor="t" anchorCtr="0">
+            <a:spAutoFit/>
+          </a:bodyPr>
+          <a:lstStyle/>
+          <a:p>
+            <a:pPr marL="0" marR="0" lvl="0" indent="0" algn="ctr" rtl="0">
+              <a:spcBef>
+                <a:spcPts val="0"/>
+              </a:spcBef>
+              <a:spcAft>
+                <a:spcPts val="0"/>
+              </a:spcAft>
+              <a:buNone/>
+            </a:pPr>
+            <a:endParaRPr sz="6000" b="1">
+              <a:solidFill>
+                <a:schemeClr val="dk1"/>
+              </a:solidFill>
+              <a:latin typeface="Arial"/>
+              <a:ea typeface="Arial"/>
+              <a:cs typeface="Arial"/>
+              <a:sym typeface="Arial"/>
+            </a:endParaRPr>
+          </a:p>
+        </p:txBody>
+      </p:sp>
+      <p:pic>
+        <p:nvPicPr>
+          <p:cNvPr id="193" name="Google Shape;193;p22"/>
+          <p:cNvPicPr preferRelativeResize="0"/>
+          <p:nvPr/>
+        </p:nvPicPr>
+        <p:blipFill rotWithShape="1">
+          <a:blip r:embed="rId3">
+            <a:alphaModFix/>
+          </a:blip>
+          <a:srcRect/>
+          <a:stretch/>
+        </p:blipFill>
+        <p:spPr>
+          <a:xfrm>
+            <a:off x="3017520" y="30681088"/>
+            <a:ext cx="8309872" cy="2084914"/>
+          </a:xfrm>
+          <a:prstGeom prst="rect">
+            <a:avLst/>
+          </a:prstGeom>
+          <a:noFill/>
+          <a:ln>
+            <a:noFill/>
+          </a:ln>
+        </p:spPr>
+      </p:pic>
+      <p:pic>
+        <p:nvPicPr>
+          <p:cNvPr id="194" name="Google Shape;194;p22"/>
+          <p:cNvPicPr preferRelativeResize="0"/>
+          <p:nvPr/>
+        </p:nvPicPr>
+        <p:blipFill rotWithShape="1">
+          <a:blip r:embed="rId4">
+            <a:alphaModFix/>
+          </a:blip>
+          <a:srcRect/>
+          <a:stretch/>
+        </p:blipFill>
+        <p:spPr>
+          <a:xfrm>
+            <a:off x="1257706" y="514663"/>
+            <a:ext cx="4337271" cy="3346137"/>
+          </a:xfrm>
+          <a:prstGeom prst="rect">
+            <a:avLst/>
+          </a:prstGeom>
+          <a:noFill/>
+          <a:ln>
+            <a:noFill/>
+          </a:ln>
+        </p:spPr>
+      </p:pic>
+      <p:sp>
+        <p:nvSpPr>
+          <p:cNvPr id="195" name="Google Shape;195;p22"/>
+          <p:cNvSpPr txBox="1">
+            <a:spLocks noGrp="1"/>
+          </p:cNvSpPr>
+          <p:nvPr>
+            <p:ph type="title"/>
+          </p:nvPr>
+        </p:nvSpPr>
+        <p:spPr>
+          <a:xfrm>
+            <a:off x="6035040" y="213358"/>
+            <a:ext cx="32004000" cy="4175700"/>
           </a:xfrm>
           <a:prstGeom prst="rect">
             <a:avLst/>
@@ -21318,21 +24276,618 @@
           </a:bodyPr>
           <a:lstStyle/>
           <a:p>
-            <a:pPr marL="1645949" lvl="0" indent="-1158269" algn="l" rtl="0">
-              <a:spcBef>
-                <a:spcPts val="0"/>
-              </a:spcBef>
-              <a:spcAft>
-                <a:spcPts val="0"/>
-              </a:spcAft>
-              <a:buSzPts val="7680"/>
+            <a:pPr marL="0" lvl="0" indent="0" algn="ctr" rtl="0">
+              <a:spcBef>
+                <a:spcPts val="0"/>
+              </a:spcBef>
+              <a:spcAft>
+                <a:spcPts val="0"/>
+              </a:spcAft>
+              <a:buClr>
+                <a:schemeClr val="lt2"/>
+              </a:buClr>
+              <a:buSzPts val="20100"/>
+              <a:buFont typeface="Times New Roman"/>
               <a:buNone/>
             </a:pPr>
-            <a:endParaRPr/>
+            <a:r>
+              <a:rPr lang="en-US" b="1" i="1" dirty="0">
+                <a:latin typeface="Times New Roman"/>
+                <a:ea typeface="Times New Roman"/>
+                <a:cs typeface="Times New Roman"/>
+                <a:sym typeface="Times New Roman"/>
+              </a:rPr>
+              <a:t>Introduction II</a:t>
+            </a:r>
+            <a:endParaRPr dirty="0"/>
           </a:p>
         </p:txBody>
       </p:sp>
+      <p:sp>
+        <p:nvSpPr>
+          <p:cNvPr id="9" name="Google Shape;185;p21">
+            <a:extLst>
+              <a:ext uri="{FF2B5EF4-FFF2-40B4-BE49-F238E27FC236}">
+                <a16:creationId xmlns:a16="http://schemas.microsoft.com/office/drawing/2014/main" id="{73C7B125-B386-4AF7-8C81-963DD3842DAB}"/>
+              </a:ext>
+            </a:extLst>
+          </p:cNvPr>
+          <p:cNvSpPr txBox="1">
+            <a:spLocks noGrp="1"/>
+          </p:cNvSpPr>
+          <p:nvPr>
+            <p:ph type="body" idx="1"/>
+          </p:nvPr>
+        </p:nvSpPr>
+        <p:spPr>
+          <a:xfrm>
+            <a:off x="2724912" y="5482486"/>
+            <a:ext cx="34619184" cy="11555417"/>
+          </a:xfrm>
+          <a:prstGeom prst="rect">
+            <a:avLst/>
+          </a:prstGeom>
+          <a:noFill/>
+          <a:ln>
+            <a:noFill/>
+          </a:ln>
+        </p:spPr>
+        <p:txBody>
+          <a:bodyPr spcFirstLastPara="1" wrap="square" lIns="91425" tIns="45700" rIns="91425" bIns="45700" anchor="t" anchorCtr="0">
+            <a:normAutofit fontScale="62500" lnSpcReduction="20000"/>
+          </a:bodyPr>
+          <a:lstStyle/>
+          <a:p>
+            <a:pPr marL="1645949" indent="-1158268">
+              <a:spcBef>
+                <a:spcPts val="0"/>
+              </a:spcBef>
+              <a:buSzPts val="7680"/>
+            </a:pPr>
+            <a:r>
+              <a:rPr lang="en-US" dirty="0"/>
+              <a:t>Takes a call centers CRM database data (</a:t>
+            </a:r>
+            <a:r>
+              <a:rPr lang="en-US" dirty="0" err="1"/>
+              <a:t>iCarol</a:t>
+            </a:r>
+            <a:r>
+              <a:rPr lang="en-US" dirty="0"/>
+              <a:t>) from excel files and uploads them to a cloud SQL database (Snowflake).</a:t>
+            </a:r>
+          </a:p>
+          <a:p>
+            <a:pPr marL="1645949" indent="-1158268">
+              <a:spcBef>
+                <a:spcPts val="0"/>
+              </a:spcBef>
+              <a:buSzPts val="7680"/>
+            </a:pPr>
+            <a:r>
+              <a:rPr lang="en-US" dirty="0"/>
+              <a:t>The call centers data is then transformed on the SQL database via Python and an API.</a:t>
+            </a:r>
+          </a:p>
+          <a:p>
+            <a:pPr marL="1645949" indent="-1158268">
+              <a:spcBef>
+                <a:spcPts val="0"/>
+              </a:spcBef>
+              <a:buSzPts val="7680"/>
+            </a:pPr>
+            <a:r>
+              <a:rPr lang="en-US" dirty="0"/>
+              <a:t>Then the data is loaded to a local machine and further transformed to be input into a ML model (LSTM).</a:t>
+            </a:r>
+          </a:p>
+          <a:p>
+            <a:pPr marL="1645949" indent="-1158268">
+              <a:spcBef>
+                <a:spcPts val="0"/>
+              </a:spcBef>
+              <a:buSzPts val="7680"/>
+            </a:pPr>
+            <a:r>
+              <a:rPr lang="en-US" dirty="0"/>
+              <a:t>The model forecasts the number of calls made to the call center that are related to mental health, as is defined by their taxonomy system.</a:t>
+            </a:r>
+          </a:p>
+          <a:p>
+            <a:pPr marL="1645949" indent="-1158268">
+              <a:spcBef>
+                <a:spcPts val="0"/>
+              </a:spcBef>
+              <a:buSzPts val="7680"/>
+            </a:pPr>
+            <a:r>
+              <a:rPr lang="en-US" dirty="0"/>
+              <a:t>The forecasted number of calls is uploaded to the SQL database in a new table.</a:t>
+            </a:r>
+          </a:p>
+          <a:p>
+            <a:pPr marL="1645949" indent="-1158268">
+              <a:spcBef>
+                <a:spcPts val="0"/>
+              </a:spcBef>
+              <a:buSzPts val="7680"/>
+            </a:pPr>
+            <a:r>
+              <a:rPr lang="en-US" dirty="0"/>
+              <a:t>Microsoft Power BI Pro is then connected to the SQL database using </a:t>
+            </a:r>
+            <a:r>
+              <a:rPr lang="en-US" i="1" dirty="0"/>
+              <a:t>direct query </a:t>
+            </a:r>
+            <a:r>
+              <a:rPr lang="en-US" dirty="0"/>
+              <a:t>mode and a visualization is created.</a:t>
+            </a:r>
+          </a:p>
+          <a:p>
+            <a:pPr marL="1645949" indent="-1158268">
+              <a:spcBef>
+                <a:spcPts val="0"/>
+              </a:spcBef>
+              <a:buSzPts val="7680"/>
+            </a:pPr>
+            <a:r>
+              <a:rPr lang="en-US" dirty="0"/>
+              <a:t>An embed public URL link is then created with Microsoft Power BI Pro and the URL was shared with the call centers IT personnel.</a:t>
+            </a:r>
+          </a:p>
+          <a:p>
+            <a:pPr marL="1645949" indent="-1158268">
+              <a:spcBef>
+                <a:spcPts val="0"/>
+              </a:spcBef>
+              <a:buSzPts val="7680"/>
+            </a:pPr>
+            <a:r>
+              <a:rPr lang="en-US" dirty="0"/>
+              <a:t>The call center then forwards monthly data from their CRM database</a:t>
+            </a:r>
+          </a:p>
+          <a:p>
+            <a:pPr marL="2103149" lvl="1" indent="-1158268">
+              <a:spcBef>
+                <a:spcPts val="0"/>
+              </a:spcBef>
+              <a:buSzPts val="7680"/>
+            </a:pPr>
+            <a:r>
+              <a:rPr lang="en-US" dirty="0"/>
+              <a:t>Upon receiving the updated data another python file is executed that updates the SQL database with the new data and predictions.</a:t>
+            </a:r>
+          </a:p>
+          <a:p>
+            <a:pPr marL="1645949" indent="-1158268">
+              <a:spcBef>
+                <a:spcPts val="0"/>
+              </a:spcBef>
+              <a:buSzPts val="7680"/>
+            </a:pPr>
+            <a:endParaRPr dirty="0"/>
+          </a:p>
+        </p:txBody>
+      </p:sp>
+      <p:sp>
+        <p:nvSpPr>
+          <p:cNvPr id="10" name="Google Shape;196;p22">
+            <a:extLst>
+              <a:ext uri="{FF2B5EF4-FFF2-40B4-BE49-F238E27FC236}">
+                <a16:creationId xmlns:a16="http://schemas.microsoft.com/office/drawing/2014/main" id="{A8D8A01B-D352-4AE7-81C0-D4E4ED6FE75C}"/>
+              </a:ext>
+            </a:extLst>
+          </p:cNvPr>
+          <p:cNvSpPr txBox="1">
+            <a:spLocks/>
+          </p:cNvSpPr>
+          <p:nvPr/>
+        </p:nvSpPr>
+        <p:spPr>
+          <a:xfrm>
+            <a:off x="17713131" y="17526000"/>
+            <a:ext cx="21788949" cy="12178893"/>
+          </a:xfrm>
+          <a:prstGeom prst="rect">
+            <a:avLst/>
+          </a:prstGeom>
+          <a:noFill/>
+          <a:ln>
+            <a:noFill/>
+          </a:ln>
+        </p:spPr>
+        <p:txBody>
+          <a:bodyPr spcFirstLastPara="1" wrap="square" lIns="91425" tIns="45700" rIns="91425" bIns="45700" anchor="t" anchorCtr="0">
+            <a:normAutofit fontScale="85000" lnSpcReduction="10000"/>
+          </a:bodyPr>
+          <a:lstStyle>
+            <a:defPPr marR="0" lvl="0" algn="l" rtl="0">
+              <a:lnSpc>
+                <a:spcPct val="100000"/>
+              </a:lnSpc>
+              <a:spcBef>
+                <a:spcPts val="0"/>
+              </a:spcBef>
+              <a:spcAft>
+                <a:spcPts val="0"/>
+              </a:spcAft>
+            </a:defPPr>
+            <a:lvl1pPr marL="457200" marR="0" lvl="0" indent="-320040" algn="l" rtl="0">
+              <a:lnSpc>
+                <a:spcPct val="100000"/>
+              </a:lnSpc>
+              <a:spcBef>
+                <a:spcPts val="4800"/>
+              </a:spcBef>
+              <a:spcAft>
+                <a:spcPts val="0"/>
+              </a:spcAft>
+              <a:buClr>
+                <a:srgbClr val="86D1D8"/>
+              </a:buClr>
+              <a:buSzPts val="1440"/>
+              <a:buFont typeface="Noto Sans Symbols"/>
+              <a:buChar char="►"/>
+              <a:defRPr sz="9600" b="0" i="0" u="none" strike="noStrike" cap="none">
+                <a:solidFill>
+                  <a:schemeClr val="lt1"/>
+                </a:solidFill>
+                <a:latin typeface="Arial"/>
+                <a:ea typeface="Arial"/>
+                <a:cs typeface="Arial"/>
+                <a:sym typeface="Arial"/>
+              </a:defRPr>
+            </a:lvl1pPr>
+            <a:lvl2pPr marL="914400" marR="0" lvl="1" indent="-320040" algn="l" rtl="0">
+              <a:lnSpc>
+                <a:spcPct val="100000"/>
+              </a:lnSpc>
+              <a:spcBef>
+                <a:spcPts val="4800"/>
+              </a:spcBef>
+              <a:spcAft>
+                <a:spcPts val="0"/>
+              </a:spcAft>
+              <a:buClr>
+                <a:srgbClr val="86D1D8"/>
+              </a:buClr>
+              <a:buSzPts val="1440"/>
+              <a:buFont typeface="Noto Sans Symbols"/>
+              <a:buChar char="►"/>
+              <a:defRPr sz="8640" b="0" i="0" u="none" strike="noStrike" cap="none">
+                <a:solidFill>
+                  <a:schemeClr val="lt1"/>
+                </a:solidFill>
+                <a:latin typeface="Arial"/>
+                <a:ea typeface="Arial"/>
+                <a:cs typeface="Arial"/>
+                <a:sym typeface="Arial"/>
+              </a:defRPr>
+            </a:lvl2pPr>
+            <a:lvl3pPr marL="1371600" marR="0" lvl="2" indent="-320039" algn="l" rtl="0">
+              <a:lnSpc>
+                <a:spcPct val="100000"/>
+              </a:lnSpc>
+              <a:spcBef>
+                <a:spcPts val="4800"/>
+              </a:spcBef>
+              <a:spcAft>
+                <a:spcPts val="0"/>
+              </a:spcAft>
+              <a:buClr>
+                <a:srgbClr val="86D1D8"/>
+              </a:buClr>
+              <a:buSzPts val="1440"/>
+              <a:buFont typeface="Noto Sans Symbols"/>
+              <a:buChar char="►"/>
+              <a:defRPr sz="7680" b="0" i="0" u="none" strike="noStrike" cap="none">
+                <a:solidFill>
+                  <a:schemeClr val="lt1"/>
+                </a:solidFill>
+                <a:latin typeface="Arial"/>
+                <a:ea typeface="Arial"/>
+                <a:cs typeface="Arial"/>
+                <a:sym typeface="Arial"/>
+              </a:defRPr>
+            </a:lvl3pPr>
+            <a:lvl4pPr marL="1828800" marR="0" lvl="3" indent="-320039" algn="l" rtl="0">
+              <a:lnSpc>
+                <a:spcPct val="100000"/>
+              </a:lnSpc>
+              <a:spcBef>
+                <a:spcPts val="4800"/>
+              </a:spcBef>
+              <a:spcAft>
+                <a:spcPts val="0"/>
+              </a:spcAft>
+              <a:buClr>
+                <a:srgbClr val="86D1D8"/>
+              </a:buClr>
+              <a:buSzPts val="1440"/>
+              <a:buFont typeface="Noto Sans Symbols"/>
+              <a:buChar char="►"/>
+              <a:defRPr sz="6719" b="0" i="0" u="none" strike="noStrike" cap="none">
+                <a:solidFill>
+                  <a:schemeClr val="lt1"/>
+                </a:solidFill>
+                <a:latin typeface="Arial"/>
+                <a:ea typeface="Arial"/>
+                <a:cs typeface="Arial"/>
+                <a:sym typeface="Arial"/>
+              </a:defRPr>
+            </a:lvl4pPr>
+            <a:lvl5pPr marL="2286000" marR="0" lvl="4" indent="-320039" algn="l" rtl="0">
+              <a:lnSpc>
+                <a:spcPct val="100000"/>
+              </a:lnSpc>
+              <a:spcBef>
+                <a:spcPts val="4800"/>
+              </a:spcBef>
+              <a:spcAft>
+                <a:spcPts val="0"/>
+              </a:spcAft>
+              <a:buClr>
+                <a:srgbClr val="86D1D8"/>
+              </a:buClr>
+              <a:buSzPts val="1440"/>
+              <a:buFont typeface="Noto Sans Symbols"/>
+              <a:buChar char="►"/>
+              <a:defRPr sz="6719" b="0" i="0" u="none" strike="noStrike" cap="none">
+                <a:solidFill>
+                  <a:schemeClr val="lt1"/>
+                </a:solidFill>
+                <a:latin typeface="Arial"/>
+                <a:ea typeface="Arial"/>
+                <a:cs typeface="Arial"/>
+                <a:sym typeface="Arial"/>
+              </a:defRPr>
+            </a:lvl5pPr>
+            <a:lvl6pPr marL="2743200" marR="0" lvl="5" indent="-320039" algn="l" rtl="0">
+              <a:lnSpc>
+                <a:spcPct val="100000"/>
+              </a:lnSpc>
+              <a:spcBef>
+                <a:spcPts val="4800"/>
+              </a:spcBef>
+              <a:spcAft>
+                <a:spcPts val="0"/>
+              </a:spcAft>
+              <a:buClr>
+                <a:srgbClr val="86D1D8"/>
+              </a:buClr>
+              <a:buSzPts val="1440"/>
+              <a:buFont typeface="Noto Sans Symbols"/>
+              <a:buChar char="►"/>
+              <a:defRPr sz="6719" b="0" i="0" u="none" strike="noStrike" cap="none">
+                <a:solidFill>
+                  <a:schemeClr val="lt1"/>
+                </a:solidFill>
+                <a:latin typeface="Arial"/>
+                <a:ea typeface="Arial"/>
+                <a:cs typeface="Arial"/>
+                <a:sym typeface="Arial"/>
+              </a:defRPr>
+            </a:lvl6pPr>
+            <a:lvl7pPr marL="3200400" marR="0" lvl="6" indent="-320039" algn="l" rtl="0">
+              <a:lnSpc>
+                <a:spcPct val="100000"/>
+              </a:lnSpc>
+              <a:spcBef>
+                <a:spcPts val="4800"/>
+              </a:spcBef>
+              <a:spcAft>
+                <a:spcPts val="0"/>
+              </a:spcAft>
+              <a:buClr>
+                <a:srgbClr val="86D1D8"/>
+              </a:buClr>
+              <a:buSzPts val="1440"/>
+              <a:buFont typeface="Noto Sans Symbols"/>
+              <a:buChar char="►"/>
+              <a:defRPr sz="6719" b="0" i="0" u="none" strike="noStrike" cap="none">
+                <a:solidFill>
+                  <a:schemeClr val="lt1"/>
+                </a:solidFill>
+                <a:latin typeface="Arial"/>
+                <a:ea typeface="Arial"/>
+                <a:cs typeface="Arial"/>
+                <a:sym typeface="Arial"/>
+              </a:defRPr>
+            </a:lvl7pPr>
+            <a:lvl8pPr marL="3657600" marR="0" lvl="7" indent="-320040" algn="l" rtl="0">
+              <a:lnSpc>
+                <a:spcPct val="100000"/>
+              </a:lnSpc>
+              <a:spcBef>
+                <a:spcPts val="4800"/>
+              </a:spcBef>
+              <a:spcAft>
+                <a:spcPts val="0"/>
+              </a:spcAft>
+              <a:buClr>
+                <a:srgbClr val="86D1D8"/>
+              </a:buClr>
+              <a:buSzPts val="1440"/>
+              <a:buFont typeface="Noto Sans Symbols"/>
+              <a:buChar char="►"/>
+              <a:defRPr sz="6719" b="0" i="0" u="none" strike="noStrike" cap="none">
+                <a:solidFill>
+                  <a:schemeClr val="lt1"/>
+                </a:solidFill>
+                <a:latin typeface="Arial"/>
+                <a:ea typeface="Arial"/>
+                <a:cs typeface="Arial"/>
+                <a:sym typeface="Arial"/>
+              </a:defRPr>
+            </a:lvl8pPr>
+            <a:lvl9pPr marL="4114800" marR="0" lvl="8" indent="-320040" algn="l" rtl="0">
+              <a:lnSpc>
+                <a:spcPct val="100000"/>
+              </a:lnSpc>
+              <a:spcBef>
+                <a:spcPts val="4800"/>
+              </a:spcBef>
+              <a:spcAft>
+                <a:spcPts val="0"/>
+              </a:spcAft>
+              <a:buClr>
+                <a:srgbClr val="86D1D8"/>
+              </a:buClr>
+              <a:buSzPts val="1440"/>
+              <a:buFont typeface="Noto Sans Symbols"/>
+              <a:buChar char="►"/>
+              <a:defRPr sz="6719" b="0" i="0" u="none" strike="noStrike" cap="none">
+                <a:solidFill>
+                  <a:schemeClr val="lt1"/>
+                </a:solidFill>
+                <a:latin typeface="Arial"/>
+                <a:ea typeface="Arial"/>
+                <a:cs typeface="Arial"/>
+                <a:sym typeface="Arial"/>
+              </a:defRPr>
+            </a:lvl9pPr>
+          </a:lstStyle>
+          <a:p>
+            <a:pPr marL="1645949" indent="-1158269">
+              <a:spcBef>
+                <a:spcPts val="0"/>
+              </a:spcBef>
+              <a:buSzPts val="7680"/>
+            </a:pPr>
+            <a:r>
+              <a:rPr lang="en-US" dirty="0"/>
+              <a:t>This was the initial sketch for the ML pipeline</a:t>
+            </a:r>
+          </a:p>
+          <a:p>
+            <a:pPr marL="1645949" indent="-1158269">
+              <a:spcBef>
+                <a:spcPts val="0"/>
+              </a:spcBef>
+              <a:buSzPts val="7680"/>
+            </a:pPr>
+            <a:r>
+              <a:rPr lang="en-US" dirty="0"/>
+              <a:t>The data turned out to be much smaller than was anticipated</a:t>
+            </a:r>
+          </a:p>
+          <a:p>
+            <a:pPr marL="2103149" lvl="1" indent="-1158269">
+              <a:spcBef>
+                <a:spcPts val="0"/>
+              </a:spcBef>
+              <a:buSzPts val="7680"/>
+            </a:pPr>
+            <a:r>
+              <a:rPr lang="en-US" dirty="0"/>
+              <a:t>Did not need to use </a:t>
+            </a:r>
+            <a:r>
+              <a:rPr lang="en-US" dirty="0" err="1"/>
+              <a:t>SaturnCloud</a:t>
+            </a:r>
+            <a:r>
+              <a:rPr lang="en-US" dirty="0"/>
+              <a:t> or Rapids &amp; </a:t>
+            </a:r>
+            <a:r>
+              <a:rPr lang="en-US" dirty="0" err="1"/>
+              <a:t>Dask</a:t>
+            </a:r>
+            <a:r>
+              <a:rPr lang="en-US" dirty="0"/>
+              <a:t> libraries</a:t>
+            </a:r>
+          </a:p>
+          <a:p>
+            <a:pPr marL="2560349" lvl="2" indent="-1158269">
+              <a:spcBef>
+                <a:spcPts val="0"/>
+              </a:spcBef>
+              <a:buSzPts val="7680"/>
+            </a:pPr>
+            <a:r>
+              <a:rPr lang="en-US" dirty="0"/>
+              <a:t>Reduced the resources needed to complete the project</a:t>
+            </a:r>
+          </a:p>
+          <a:p>
+            <a:pPr marL="1645949" indent="-1158269">
+              <a:spcBef>
+                <a:spcPts val="0"/>
+              </a:spcBef>
+              <a:buSzPts val="7680"/>
+            </a:pPr>
+            <a:r>
+              <a:rPr lang="en-US" dirty="0"/>
+              <a:t>Project done all in Python in tandem with:</a:t>
+            </a:r>
+          </a:p>
+          <a:p>
+            <a:pPr marL="2103149" lvl="1" indent="-1158269">
+              <a:spcBef>
+                <a:spcPts val="0"/>
+              </a:spcBef>
+              <a:buSzPts val="7680"/>
+            </a:pPr>
+            <a:r>
+              <a:rPr lang="en-US" dirty="0"/>
+              <a:t>Snowflake (Cloud SQL Database)</a:t>
+            </a:r>
+          </a:p>
+          <a:p>
+            <a:pPr marL="2103149" lvl="1" indent="-1158269">
+              <a:spcBef>
+                <a:spcPts val="0"/>
+              </a:spcBef>
+              <a:buSzPts val="7680"/>
+            </a:pPr>
+            <a:r>
+              <a:rPr lang="en-US" dirty="0"/>
+              <a:t>Microsoft Power BI</a:t>
+            </a:r>
+          </a:p>
+        </p:txBody>
+      </p:sp>
+      <p:pic>
+        <p:nvPicPr>
+          <p:cNvPr id="11" name="Picture 10" descr="A screenshot of a computer&#10;&#10;Description automatically generated with low confidence">
+            <a:extLst>
+              <a:ext uri="{FF2B5EF4-FFF2-40B4-BE49-F238E27FC236}">
+                <a16:creationId xmlns:a16="http://schemas.microsoft.com/office/drawing/2014/main" id="{F3D73074-15BB-4AEB-85EE-49B28FD9E5CA}"/>
+              </a:ext>
+            </a:extLst>
+          </p:cNvPr>
+          <p:cNvPicPr>
+            <a:picLocks noChangeAspect="1"/>
+          </p:cNvPicPr>
+          <p:nvPr/>
+        </p:nvPicPr>
+        <p:blipFill>
+          <a:blip r:embed="rId5"/>
+          <a:stretch>
+            <a:fillRect/>
+          </a:stretch>
+        </p:blipFill>
+        <p:spPr>
+          <a:xfrm>
+            <a:off x="3017520" y="17526000"/>
+            <a:ext cx="13011265" cy="12178894"/>
+          </a:xfrm>
+          <a:prstGeom prst="rect">
+            <a:avLst/>
+          </a:prstGeom>
+        </p:spPr>
+      </p:pic>
     </p:spTree>
+    <p:extLst>
+      <p:ext uri="{BB962C8B-B14F-4D97-AF65-F5344CB8AC3E}">
+        <p14:creationId xmlns:p14="http://schemas.microsoft.com/office/powerpoint/2010/main" val="3399872667"/>
+      </p:ext>
+    </p:extLst>
   </p:cSld>
   <p:clrMapOvr>
     <a:masterClrMapping/>
@@ -21340,7 +24895,7 @@
 </p:sld>
 </file>
 
-<file path=ppt/slides/slide5.xml><?xml version="1.0" encoding="utf-8"?>
+<file path=ppt/slides/slide6.xml><?xml version="1.0" encoding="utf-8"?>
 <p:sld xmlns:a="http://schemas.openxmlformats.org/drawingml/2006/main" xmlns:r="http://schemas.openxmlformats.org/officeDocument/2006/relationships" xmlns:p="http://schemas.openxmlformats.org/presentationml/2006/main">
   <p:cSld>
     <p:spTree>
@@ -21615,15 +25170,15 @@
               <a:buNone/>
             </a:pPr>
             <a:r>
-              <a:rPr lang="en-US" b="1" i="1">
+              <a:rPr lang="en-US" b="1" i="1" dirty="0">
                 <a:latin typeface="Times New Roman"/>
                 <a:ea typeface="Times New Roman"/>
                 <a:cs typeface="Times New Roman"/>
                 <a:sym typeface="Times New Roman"/>
               </a:rPr>
-              <a:t>Methods</a:t>
+              <a:t>Introduction III</a:t>
             </a:r>
-            <a:endParaRPr/>
+            <a:endParaRPr dirty="0"/>
           </a:p>
         </p:txBody>
       </p:sp>
@@ -21656,7 +25211,7 @@
           </a:bodyPr>
           <a:lstStyle/>
           <a:p>
-            <a:pPr marL="1645949" lvl="0" indent="-1158269" algn="l" rtl="0">
+            <a:pPr marL="1645949" lvl="0" indent="-1158269" algn="ctr" rtl="0">
               <a:spcBef>
                 <a:spcPts val="0"/>
               </a:spcBef>
@@ -21666,7 +25221,27 @@
               <a:buSzPts val="7680"/>
               <a:buNone/>
             </a:pPr>
-            <a:endParaRPr/>
+            <a:r>
+              <a:rPr lang="en-US" dirty="0"/>
+              <a:t>Literature</a:t>
+            </a:r>
+          </a:p>
+          <a:p>
+            <a:pPr marL="1645949" lvl="0" indent="-1158269" rtl="0">
+              <a:spcBef>
+                <a:spcPts val="0"/>
+              </a:spcBef>
+              <a:spcAft>
+                <a:spcPts val="0"/>
+              </a:spcAft>
+              <a:buSzPts val="7680"/>
+              <a:buNone/>
+            </a:pPr>
+            <a:r>
+              <a:rPr lang="en-US" dirty="0"/>
+              <a:t>&lt;insert something here, what you’re using from your report&gt;</a:t>
+            </a:r>
+            <a:endParaRPr dirty="0"/>
           </a:p>
         </p:txBody>
       </p:sp>
@@ -21678,7 +25253,7 @@
 </p:sld>
 </file>
 
-<file path=ppt/slides/slide6.xml><?xml version="1.0" encoding="utf-8"?>
+<file path=ppt/slides/slide7.xml><?xml version="1.0" encoding="utf-8"?>
 <p:sld xmlns:a="http://schemas.openxmlformats.org/drawingml/2006/main" xmlns:r="http://schemas.openxmlformats.org/officeDocument/2006/relationships" xmlns:p="http://schemas.openxmlformats.org/presentationml/2006/main">
   <p:cSld>
     <p:spTree>
@@ -21978,7 +25553,7 @@
         <p:spPr>
           <a:xfrm>
             <a:off x="3017520" y="6080760"/>
-            <a:ext cx="37856160" cy="22265639"/>
+            <a:ext cx="16477488" cy="23919608"/>
           </a:xfrm>
           <a:prstGeom prst="rect">
             <a:avLst/>
@@ -21990,24 +25565,279 @@
         </p:spPr>
         <p:txBody>
           <a:bodyPr spcFirstLastPara="1" wrap="square" lIns="91425" tIns="45700" rIns="91425" bIns="45700" anchor="t" anchorCtr="0">
-            <a:normAutofit/>
+            <a:normAutofit fontScale="92500"/>
           </a:bodyPr>
           <a:lstStyle/>
           <a:p>
-            <a:pPr marL="1645949" lvl="0" indent="-1158268" algn="l" rtl="0">
-              <a:spcBef>
-                <a:spcPts val="0"/>
-              </a:spcBef>
-              <a:spcAft>
-                <a:spcPts val="0"/>
-              </a:spcAft>
+            <a:pPr marL="1645949" indent="-1158268">
+              <a:spcBef>
+                <a:spcPts val="0"/>
+              </a:spcBef>
               <a:buSzPts val="7680"/>
-              <a:buNone/>
             </a:pPr>
-            <a:endParaRPr/>
+            <a:r>
+              <a:rPr lang="en-US" dirty="0"/>
+              <a:t>Created a python file that provided the number of unique and NULL values for each column</a:t>
+            </a:r>
+          </a:p>
+          <a:p>
+            <a:pPr marL="1645949" indent="-1158268">
+              <a:spcBef>
+                <a:spcPts val="0"/>
+              </a:spcBef>
+              <a:buSzPts val="7680"/>
+            </a:pPr>
+            <a:r>
+              <a:rPr lang="en-US" dirty="0"/>
+              <a:t>The majority of the data was unusable because there were to many NULL values</a:t>
+            </a:r>
+          </a:p>
+          <a:p>
+            <a:pPr marL="2103149" lvl="1" indent="-1158268">
+              <a:spcBef>
+                <a:spcPts val="0"/>
+              </a:spcBef>
+              <a:buSzPts val="7680"/>
+            </a:pPr>
+            <a:r>
+              <a:rPr lang="en-US" dirty="0"/>
+              <a:t>There were several columns that had the same caller information</a:t>
+            </a:r>
+          </a:p>
+          <a:p>
+            <a:pPr marL="2103149" lvl="1" indent="-1158268">
+              <a:spcBef>
+                <a:spcPts val="0"/>
+              </a:spcBef>
+              <a:buSzPts val="7680"/>
+            </a:pPr>
+            <a:r>
+              <a:rPr lang="en-US" dirty="0"/>
+              <a:t>Could use several columns that were relevant for the call centers request:</a:t>
+            </a:r>
+          </a:p>
+          <a:p>
+            <a:pPr marL="2560349" lvl="2" indent="-1158268">
+              <a:spcBef>
+                <a:spcPts val="0"/>
+              </a:spcBef>
+              <a:buSzPts val="7680"/>
+            </a:pPr>
+            <a:r>
+              <a:rPr lang="en-US" dirty="0"/>
+              <a:t>Date Of Call</a:t>
+            </a:r>
+          </a:p>
+          <a:p>
+            <a:pPr marL="2560349" lvl="2" indent="-1158268">
+              <a:spcBef>
+                <a:spcPts val="0"/>
+              </a:spcBef>
+              <a:buSzPts val="7680"/>
+            </a:pPr>
+            <a:r>
+              <a:rPr lang="en-US" dirty="0"/>
+              <a:t>Taxonomy Code</a:t>
+            </a:r>
+          </a:p>
+          <a:p>
+            <a:pPr marL="3017549" lvl="3" indent="-1158268">
+              <a:spcBef>
+                <a:spcPts val="0"/>
+              </a:spcBef>
+              <a:buSzPts val="7680"/>
+            </a:pPr>
+            <a:r>
+              <a:rPr lang="en-US" dirty="0"/>
+              <a:t>This classified the calls</a:t>
+            </a:r>
+          </a:p>
+          <a:p>
+            <a:pPr marL="3017549" lvl="3" indent="-1158268">
+              <a:spcBef>
+                <a:spcPts val="0"/>
+              </a:spcBef>
+              <a:buSzPts val="7680"/>
+            </a:pPr>
+            <a:r>
+              <a:rPr lang="en-US" dirty="0"/>
+              <a:t>Taxonomy Codes that begin with ‘R’</a:t>
+            </a:r>
+            <a:br>
+              <a:rPr lang="en-US" dirty="0"/>
+            </a:br>
+            <a:r>
+              <a:rPr lang="en-US" dirty="0"/>
+              <a:t>correspond to “Mental Health”</a:t>
+            </a:r>
+          </a:p>
+          <a:p>
+            <a:pPr marL="3017549" lvl="3" indent="-1158268">
+              <a:spcBef>
+                <a:spcPts val="0"/>
+              </a:spcBef>
+              <a:buSzPts val="7680"/>
+            </a:pPr>
+            <a:r>
+              <a:rPr lang="en-US" dirty="0"/>
+              <a:t>Gender</a:t>
+            </a:r>
+          </a:p>
+          <a:p>
+            <a:pPr marL="3017549" lvl="3" indent="-1158268">
+              <a:spcBef>
+                <a:spcPts val="0"/>
+              </a:spcBef>
+              <a:buSzPts val="7680"/>
+            </a:pPr>
+            <a:r>
+              <a:rPr lang="en-US" dirty="0"/>
+              <a:t>Current or prior military experience</a:t>
+            </a:r>
+          </a:p>
+          <a:p>
+            <a:pPr marL="2103149" lvl="1" indent="-1158268">
+              <a:spcBef>
+                <a:spcPts val="0"/>
+              </a:spcBef>
+              <a:buSzPts val="7680"/>
+            </a:pPr>
+            <a:endParaRPr dirty="0"/>
           </a:p>
         </p:txBody>
       </p:sp>
+      <p:grpSp>
+        <p:nvGrpSpPr>
+          <p:cNvPr id="9" name="Group 8">
+            <a:extLst>
+              <a:ext uri="{FF2B5EF4-FFF2-40B4-BE49-F238E27FC236}">
+                <a16:creationId xmlns:a16="http://schemas.microsoft.com/office/drawing/2014/main" id="{A527D144-F503-4B6D-A543-423F76149C57}"/>
+              </a:ext>
+            </a:extLst>
+          </p:cNvPr>
+          <p:cNvGrpSpPr/>
+          <p:nvPr/>
+        </p:nvGrpSpPr>
+        <p:grpSpPr>
+          <a:xfrm>
+            <a:off x="24710908" y="5608320"/>
+            <a:ext cx="12382009" cy="25519380"/>
+            <a:chOff x="24710909" y="5608320"/>
+            <a:chExt cx="11259628" cy="23206147"/>
+          </a:xfrm>
+        </p:grpSpPr>
+        <p:grpSp>
+          <p:nvGrpSpPr>
+            <p:cNvPr id="6" name="Group 5">
+              <a:extLst>
+                <a:ext uri="{FF2B5EF4-FFF2-40B4-BE49-F238E27FC236}">
+                  <a16:creationId xmlns:a16="http://schemas.microsoft.com/office/drawing/2014/main" id="{B66F1866-2B7A-4B96-AE44-D8E11D4743EC}"/>
+                </a:ext>
+              </a:extLst>
+            </p:cNvPr>
+            <p:cNvGrpSpPr/>
+            <p:nvPr/>
+          </p:nvGrpSpPr>
+          <p:grpSpPr>
+            <a:xfrm>
+              <a:off x="24710909" y="5608320"/>
+              <a:ext cx="11259628" cy="17632652"/>
+              <a:chOff x="20698111" y="6438102"/>
+              <a:chExt cx="20539370" cy="32164790"/>
+            </a:xfrm>
+          </p:grpSpPr>
+          <p:pic>
+            <p:nvPicPr>
+              <p:cNvPr id="3" name="Picture 2" descr="Table&#10;&#10;Description automatically generated">
+                <a:extLst>
+                  <a:ext uri="{FF2B5EF4-FFF2-40B4-BE49-F238E27FC236}">
+                    <a16:creationId xmlns:a16="http://schemas.microsoft.com/office/drawing/2014/main" id="{2F962EF2-6962-4158-8045-7CCD9C0CE36B}"/>
+                  </a:ext>
+                </a:extLst>
+              </p:cNvPr>
+              <p:cNvPicPr>
+                <a:picLocks noChangeAspect="1"/>
+              </p:cNvPicPr>
+              <p:nvPr/>
+            </p:nvPicPr>
+            <p:blipFill>
+              <a:blip r:embed="rId5"/>
+              <a:stretch>
+                <a:fillRect/>
+              </a:stretch>
+            </p:blipFill>
+            <p:spPr>
+              <a:xfrm>
+                <a:off x="20698111" y="6438102"/>
+                <a:ext cx="20539370" cy="9728489"/>
+              </a:xfrm>
+              <a:prstGeom prst="rect">
+                <a:avLst/>
+              </a:prstGeom>
+            </p:spPr>
+          </p:pic>
+          <p:pic>
+            <p:nvPicPr>
+              <p:cNvPr id="5" name="Picture 4">
+                <a:extLst>
+                  <a:ext uri="{FF2B5EF4-FFF2-40B4-BE49-F238E27FC236}">
+                    <a16:creationId xmlns:a16="http://schemas.microsoft.com/office/drawing/2014/main" id="{0025F111-451A-42D5-B3AF-97356BE4501E}"/>
+                  </a:ext>
+                </a:extLst>
+              </p:cNvPr>
+              <p:cNvPicPr>
+                <a:picLocks noChangeAspect="1"/>
+              </p:cNvPicPr>
+              <p:nvPr/>
+            </p:nvPicPr>
+            <p:blipFill>
+              <a:blip r:embed="rId6"/>
+              <a:stretch>
+                <a:fillRect/>
+              </a:stretch>
+            </p:blipFill>
+            <p:spPr>
+              <a:xfrm>
+                <a:off x="25164290" y="16160468"/>
+                <a:ext cx="6344148" cy="22442424"/>
+              </a:xfrm>
+              <a:prstGeom prst="rect">
+                <a:avLst/>
+              </a:prstGeom>
+            </p:spPr>
+          </p:pic>
+        </p:grpSp>
+        <p:pic>
+          <p:nvPicPr>
+            <p:cNvPr id="8" name="Picture 7" descr="Table&#10;&#10;Description automatically generated">
+              <a:extLst>
+                <a:ext uri="{FF2B5EF4-FFF2-40B4-BE49-F238E27FC236}">
+                  <a16:creationId xmlns:a16="http://schemas.microsoft.com/office/drawing/2014/main" id="{902AC4C6-C044-477B-98BF-46E22618C22A}"/>
+                </a:ext>
+              </a:extLst>
+            </p:cNvPr>
+            <p:cNvPicPr>
+              <a:picLocks noChangeAspect="1"/>
+            </p:cNvPicPr>
+            <p:nvPr/>
+          </p:nvPicPr>
+          <p:blipFill>
+            <a:blip r:embed="rId7"/>
+            <a:stretch>
+              <a:fillRect/>
+            </a:stretch>
+          </p:blipFill>
+          <p:spPr>
+            <a:xfrm>
+              <a:off x="27159257" y="23243208"/>
+              <a:ext cx="3526760" cy="5571259"/>
+            </a:xfrm>
+            <a:prstGeom prst="rect">
+              <a:avLst/>
+            </a:prstGeom>
+          </p:spPr>
+        </p:pic>
+      </p:grpSp>
     </p:spTree>
   </p:cSld>
   <p:clrMapOvr>
@@ -22016,7 +25846,7 @@
 </p:sld>
 </file>
 
-<file path=ppt/slides/slide7.xml><?xml version="1.0" encoding="utf-8"?>
+<file path=ppt/slides/slide8.xml><?xml version="1.0" encoding="utf-8"?>
 <p:sld xmlns:a="http://schemas.openxmlformats.org/drawingml/2006/main" xmlns:r="http://schemas.openxmlformats.org/officeDocument/2006/relationships" xmlns:p="http://schemas.openxmlformats.org/presentationml/2006/main">
   <p:cSld>
     <p:spTree>
@@ -22316,7 +26146,7 @@
         <p:spPr>
           <a:xfrm>
             <a:off x="3017520" y="6080760"/>
-            <a:ext cx="37856160" cy="22265639"/>
+            <a:ext cx="18050256" cy="22485096"/>
           </a:xfrm>
           <a:prstGeom prst="rect">
             <a:avLst/>
@@ -22328,24 +26158,159 @@
         </p:spPr>
         <p:txBody>
           <a:bodyPr spcFirstLastPara="1" wrap="square" lIns="91425" tIns="45700" rIns="91425" bIns="45700" anchor="t" anchorCtr="0">
-            <a:normAutofit/>
+            <a:normAutofit fontScale="85000" lnSpcReduction="20000"/>
           </a:bodyPr>
           <a:lstStyle/>
           <a:p>
-            <a:pPr marL="1645949" lvl="0" indent="-1158268" algn="l" rtl="0">
-              <a:spcBef>
-                <a:spcPts val="0"/>
-              </a:spcBef>
-              <a:spcAft>
-                <a:spcPts val="0"/>
-              </a:spcAft>
+            <a:pPr marL="1645949" indent="-1158268">
+              <a:spcBef>
+                <a:spcPts val="0"/>
+              </a:spcBef>
               <a:buSzPts val="7680"/>
-              <a:buNone/>
             </a:pPr>
-            <a:endParaRPr/>
+            <a:r>
+              <a:rPr lang="en-US" dirty="0"/>
+              <a:t>Each excel file contained a year's worth of caller's data and contained 3 sheets.</a:t>
+            </a:r>
+          </a:p>
+          <a:p>
+            <a:pPr marL="2103149" lvl="1" indent="-1158268">
+              <a:spcBef>
+                <a:spcPts val="0"/>
+              </a:spcBef>
+              <a:buSzPts val="7680"/>
+            </a:pPr>
+            <a:r>
+              <a:rPr lang="en-US" dirty="0"/>
+              <a:t>Each sheet was made into a table.</a:t>
+            </a:r>
+          </a:p>
+          <a:p>
+            <a:pPr marL="2103149" lvl="1" indent="-1158268">
+              <a:spcBef>
+                <a:spcPts val="0"/>
+              </a:spcBef>
+              <a:buSzPts val="7680"/>
+            </a:pPr>
+            <a:r>
+              <a:rPr lang="en-US" dirty="0"/>
+              <a:t>Only 2 of the sheets from each file were needed because of the columns that were selected to build the model.</a:t>
+            </a:r>
+          </a:p>
+          <a:p>
+            <a:pPr marL="2103149" lvl="1" indent="-1158268">
+              <a:spcBef>
+                <a:spcPts val="0"/>
+              </a:spcBef>
+              <a:buSzPts val="7680"/>
+            </a:pPr>
+            <a:r>
+              <a:rPr lang="en-US" dirty="0"/>
+              <a:t>The 2 tables from each year (2014-2021) were then merged into a single macro table using on the relevant columns.</a:t>
+            </a:r>
+          </a:p>
+          <a:p>
+            <a:pPr marL="2103149" lvl="1" indent="-1158268">
+              <a:spcBef>
+                <a:spcPts val="0"/>
+              </a:spcBef>
+              <a:buSzPts val="7680"/>
+            </a:pPr>
+            <a:r>
+              <a:rPr lang="en-US" dirty="0"/>
+              <a:t>The data was then cleaned by selecting only the mental health taxonomy codes and by removing null values and recategorizing some values as </a:t>
+            </a:r>
+            <a:r>
+              <a:rPr lang="en-US" i="1" dirty="0"/>
+              <a:t>‘other’.</a:t>
+            </a:r>
+          </a:p>
+          <a:p>
+            <a:pPr marL="2103149" lvl="1" indent="-1158268">
+              <a:spcBef>
+                <a:spcPts val="0"/>
+              </a:spcBef>
+              <a:buSzPts val="7680"/>
+            </a:pPr>
+            <a:r>
+              <a:rPr lang="en-US" dirty="0"/>
+              <a:t>Then a “Number of Calls” column is created and filled by using a group by method.</a:t>
+            </a:r>
+          </a:p>
+          <a:p>
+            <a:pPr marL="2103149" lvl="1" indent="-1158268">
+              <a:spcBef>
+                <a:spcPts val="0"/>
+              </a:spcBef>
+              <a:buSzPts val="7680"/>
+            </a:pPr>
+            <a:r>
+              <a:rPr lang="en-US" dirty="0"/>
+              <a:t>After the exploratory analysis was done the data was further cleaned as well.</a:t>
+            </a:r>
           </a:p>
         </p:txBody>
       </p:sp>
+      <p:pic>
+        <p:nvPicPr>
+          <p:cNvPr id="3" name="Picture 2" descr="Graphical user interface&#10;&#10;Description automatically generated with medium confidence">
+            <a:extLst>
+              <a:ext uri="{FF2B5EF4-FFF2-40B4-BE49-F238E27FC236}">
+                <a16:creationId xmlns:a16="http://schemas.microsoft.com/office/drawing/2014/main" id="{0DDF36E6-2A54-450F-AB64-5D5CBAAEE05F}"/>
+              </a:ext>
+            </a:extLst>
+          </p:cNvPr>
+          <p:cNvPicPr>
+            <a:picLocks noChangeAspect="1"/>
+          </p:cNvPicPr>
+          <p:nvPr/>
+        </p:nvPicPr>
+        <p:blipFill>
+          <a:blip r:embed="rId5"/>
+          <a:stretch>
+            <a:fillRect/>
+          </a:stretch>
+        </p:blipFill>
+        <p:spPr>
+          <a:xfrm>
+            <a:off x="19739649" y="25904910"/>
+            <a:ext cx="20827356" cy="3718562"/>
+          </a:xfrm>
+          <a:prstGeom prst="rect">
+            <a:avLst/>
+          </a:prstGeom>
+        </p:spPr>
+      </p:pic>
+      <p:pic>
+        <p:nvPicPr>
+          <p:cNvPr id="5" name="Picture 4" descr="Graphical user interface, application&#10;&#10;Description automatically generated">
+            <a:extLst>
+              <a:ext uri="{FF2B5EF4-FFF2-40B4-BE49-F238E27FC236}">
+                <a16:creationId xmlns:a16="http://schemas.microsoft.com/office/drawing/2014/main" id="{16CCA66C-C66D-4A2E-A20C-B73A43141DF4}"/>
+              </a:ext>
+            </a:extLst>
+          </p:cNvPr>
+          <p:cNvPicPr>
+            <a:picLocks noChangeAspect="1"/>
+          </p:cNvPicPr>
+          <p:nvPr/>
+        </p:nvPicPr>
+        <p:blipFill>
+          <a:blip r:embed="rId6"/>
+          <a:stretch>
+            <a:fillRect/>
+          </a:stretch>
+        </p:blipFill>
+        <p:spPr>
+          <a:xfrm>
+            <a:off x="22823426" y="6351443"/>
+            <a:ext cx="13288479" cy="16191705"/>
+          </a:xfrm>
+          <a:prstGeom prst="rect">
+            <a:avLst/>
+          </a:prstGeom>
+        </p:spPr>
+      </p:pic>
     </p:spTree>
   </p:cSld>
   <p:clrMapOvr>
@@ -22354,12 +26319,12 @@
 </p:sld>
 </file>
 
-<file path=ppt/slides/slide8.xml><?xml version="1.0" encoding="utf-8"?>
+<file path=ppt/slides/slide9.xml><?xml version="1.0" encoding="utf-8"?>
 <p:sld xmlns:a="http://schemas.openxmlformats.org/drawingml/2006/main" xmlns:r="http://schemas.openxmlformats.org/officeDocument/2006/relationships" xmlns:p="http://schemas.openxmlformats.org/presentationml/2006/main">
   <p:cSld>
     <p:spTree>
       <p:nvGrpSpPr>
-        <p:cNvPr id="1" name="Shape 233"/>
+        <p:cNvPr id="1" name="Shape 222"/>
         <p:cNvGrpSpPr/>
         <p:nvPr/>
       </p:nvGrpSpPr>
@@ -22373,7 +26338,7 @@
       </p:grpSpPr>
       <p:sp>
         <p:nvSpPr>
-          <p:cNvPr id="234" name="Google Shape;234;p26"/>
+          <p:cNvPr id="223" name="Google Shape;223;p25"/>
           <p:cNvSpPr/>
           <p:nvPr/>
         </p:nvSpPr>
@@ -22427,7 +26392,7 @@
       </p:sp>
       <p:sp>
         <p:nvSpPr>
-          <p:cNvPr id="235" name="Google Shape;235;p26"/>
+          <p:cNvPr id="224" name="Google Shape;224;p25"/>
           <p:cNvSpPr/>
           <p:nvPr/>
         </p:nvSpPr>
@@ -22481,7 +26446,7 @@
       </p:sp>
       <p:sp>
         <p:nvSpPr>
-          <p:cNvPr id="236" name="Google Shape;236;p26"/>
+          <p:cNvPr id="225" name="Google Shape;225;p25"/>
           <p:cNvSpPr txBox="1"/>
           <p:nvPr/>
         </p:nvSpPr>
@@ -22533,7 +26498,7 @@
       </p:sp>
       <p:pic>
         <p:nvPicPr>
-          <p:cNvPr id="237" name="Google Shape;237;p26"/>
+          <p:cNvPr id="226" name="Google Shape;226;p25"/>
           <p:cNvPicPr preferRelativeResize="0"/>
           <p:nvPr/>
         </p:nvPicPr>
@@ -22546,7 +26511,7 @@
         </p:blipFill>
         <p:spPr>
           <a:xfrm>
-            <a:off x="3017520" y="30757288"/>
+            <a:off x="3017520" y="30681088"/>
             <a:ext cx="8309872" cy="2084914"/>
           </a:xfrm>
           <a:prstGeom prst="rect">
@@ -22560,7 +26525,7 @@
       </p:pic>
       <p:pic>
         <p:nvPicPr>
-          <p:cNvPr id="238" name="Google Shape;238;p26"/>
+          <p:cNvPr id="227" name="Google Shape;227;p25"/>
           <p:cNvPicPr preferRelativeResize="0"/>
           <p:nvPr/>
         </p:nvPicPr>
@@ -22587,7 +26552,7 @@
       </p:pic>
       <p:sp>
         <p:nvSpPr>
-          <p:cNvPr id="239" name="Google Shape;239;p26"/>
+          <p:cNvPr id="228" name="Google Shape;228;p25"/>
           <p:cNvSpPr txBox="1">
             <a:spLocks noGrp="1"/>
           </p:cNvSpPr>
@@ -22635,7 +26600,7 @@
                 <a:cs typeface="Times New Roman"/>
                 <a:sym typeface="Times New Roman"/>
               </a:rPr>
-              <a:t>Results</a:t>
+              <a:t>Methods</a:t>
             </a:r>
             <a:endParaRPr/>
           </a:p>
@@ -22643,7 +26608,7 @@
       </p:sp>
       <p:sp>
         <p:nvSpPr>
-          <p:cNvPr id="240" name="Google Shape;240;p26"/>
+          <p:cNvPr id="229" name="Google Shape;229;p25"/>
           <p:cNvSpPr txBox="1">
             <a:spLocks noGrp="1"/>
           </p:cNvSpPr>
@@ -22653,8 +26618,8 @@
         </p:nvSpPr>
         <p:spPr>
           <a:xfrm>
-            <a:off x="3017520" y="6080759"/>
-            <a:ext cx="37856160" cy="24156896"/>
+            <a:off x="3017520" y="6080760"/>
+            <a:ext cx="18050256" cy="22485096"/>
           </a:xfrm>
           <a:prstGeom prst="rect">
             <a:avLst/>
@@ -22670,359 +26635,121 @@
           </a:bodyPr>
           <a:lstStyle/>
           <a:p>
-            <a:pPr marL="0" lvl="0" indent="0" algn="l" rtl="0">
-              <a:spcBef>
-                <a:spcPts val="0"/>
-              </a:spcBef>
-              <a:spcAft>
-                <a:spcPts val="0"/>
-              </a:spcAft>
+            <a:pPr marL="1645949" indent="-1158268">
+              <a:spcBef>
+                <a:spcPts val="0"/>
+              </a:spcBef>
               <a:buSzPts val="7680"/>
-              <a:buNone/>
             </a:pPr>
-            <a:endParaRPr/>
-          </a:p>
-        </p:txBody>
-      </p:sp>
-    </p:spTree>
-  </p:cSld>
-  <p:clrMapOvr>
-    <a:masterClrMapping/>
-  </p:clrMapOvr>
-</p:sld>
-</file>
-
-<file path=ppt/slides/slide9.xml><?xml version="1.0" encoding="utf-8"?>
-<p:sld xmlns:a="http://schemas.openxmlformats.org/drawingml/2006/main" xmlns:r="http://schemas.openxmlformats.org/officeDocument/2006/relationships" xmlns:p="http://schemas.openxmlformats.org/presentationml/2006/main">
-  <p:cSld>
-    <p:spTree>
-      <p:nvGrpSpPr>
-        <p:cNvPr id="1" name="Shape 244"/>
-        <p:cNvGrpSpPr/>
-        <p:nvPr/>
-      </p:nvGrpSpPr>
-      <p:grpSpPr>
-        <a:xfrm>
-          <a:off x="0" y="0"/>
-          <a:ext cx="0" cy="0"/>
-          <a:chOff x="0" y="0"/>
-          <a:chExt cx="0" cy="0"/>
-        </a:xfrm>
-      </p:grpSpPr>
-      <p:sp>
-        <p:nvSpPr>
-          <p:cNvPr id="245" name="Google Shape;245;p27"/>
-          <p:cNvSpPr/>
-          <p:nvPr/>
-        </p:nvSpPr>
-        <p:spPr>
-          <a:xfrm>
-            <a:off x="0" y="0"/>
-            <a:ext cx="43891199" cy="4389120"/>
-          </a:xfrm>
-          <a:prstGeom prst="rect">
-            <a:avLst/>
-          </a:prstGeom>
-          <a:solidFill>
-            <a:srgbClr val="840F0E"/>
-          </a:solidFill>
-          <a:ln w="19050" cap="rnd" cmpd="sng">
-            <a:solidFill>
-              <a:srgbClr val="800F0D"/>
-            </a:solidFill>
-            <a:prstDash val="solid"/>
-            <a:round/>
-            <a:headEnd type="none" w="sm" len="sm"/>
-            <a:tailEnd type="none" w="sm" len="sm"/>
-          </a:ln>
-        </p:spPr>
-        <p:txBody>
-          <a:bodyPr spcFirstLastPara="1" wrap="square" lIns="91425" tIns="45700" rIns="91425" bIns="45700" anchor="ctr" anchorCtr="0">
-            <a:noAutofit/>
-          </a:bodyPr>
-          <a:lstStyle/>
-          <a:p>
-            <a:pPr marL="0" marR="0" lvl="0" indent="0" algn="ctr" rtl="0">
-              <a:spcBef>
-                <a:spcPts val="0"/>
-              </a:spcBef>
-              <a:spcAft>
-                <a:spcPts val="0"/>
-              </a:spcAft>
-              <a:buNone/>
+            <a:r>
+              <a:rPr lang="en-US" dirty="0"/>
+              <a:t>The data was further transformed using python.</a:t>
+            </a:r>
+          </a:p>
+          <a:p>
+            <a:pPr marL="2103149" lvl="1" indent="-1158268">
+              <a:spcBef>
+                <a:spcPts val="0"/>
+              </a:spcBef>
+              <a:buSzPts val="7680"/>
             </a:pPr>
-            <a:endParaRPr sz="1800">
-              <a:solidFill>
-                <a:schemeClr val="lt1"/>
-              </a:solidFill>
-              <a:latin typeface="Arial"/>
-              <a:ea typeface="Arial"/>
-              <a:cs typeface="Arial"/>
-              <a:sym typeface="Arial"/>
-            </a:endParaRPr>
-          </a:p>
-        </p:txBody>
-      </p:sp>
-      <p:sp>
-        <p:nvSpPr>
-          <p:cNvPr id="246" name="Google Shape;246;p27"/>
-          <p:cNvSpPr/>
-          <p:nvPr/>
-        </p:nvSpPr>
-        <p:spPr>
-          <a:xfrm>
-            <a:off x="0" y="32766000"/>
-            <a:ext cx="43891199" cy="152400"/>
-          </a:xfrm>
-          <a:prstGeom prst="rect">
-            <a:avLst/>
-          </a:prstGeom>
-          <a:solidFill>
-            <a:srgbClr val="840F0E"/>
-          </a:solidFill>
-          <a:ln w="19050" cap="rnd" cmpd="sng">
-            <a:solidFill>
-              <a:srgbClr val="800F0D"/>
-            </a:solidFill>
-            <a:prstDash val="solid"/>
-            <a:round/>
-            <a:headEnd type="none" w="sm" len="sm"/>
-            <a:tailEnd type="none" w="sm" len="sm"/>
-          </a:ln>
-        </p:spPr>
-        <p:txBody>
-          <a:bodyPr spcFirstLastPara="1" wrap="square" lIns="91425" tIns="45700" rIns="91425" bIns="45700" anchor="ctr" anchorCtr="0">
-            <a:noAutofit/>
-          </a:bodyPr>
-          <a:lstStyle/>
-          <a:p>
-            <a:pPr marL="0" marR="0" lvl="0" indent="0" algn="ctr" rtl="0">
-              <a:spcBef>
-                <a:spcPts val="0"/>
-              </a:spcBef>
-              <a:spcAft>
-                <a:spcPts val="0"/>
-              </a:spcAft>
-              <a:buNone/>
+            <a:r>
+              <a:rPr lang="en-US" dirty="0"/>
+              <a:t>There were over 202 unique Taxonomy codes starting with ‘R’.</a:t>
+            </a:r>
+          </a:p>
+          <a:p>
+            <a:pPr marL="2560349" lvl="2" indent="-1158268">
+              <a:spcBef>
+                <a:spcPts val="0"/>
+              </a:spcBef>
+              <a:buSzPts val="7680"/>
             </a:pPr>
-            <a:endParaRPr sz="1800">
-              <a:solidFill>
-                <a:schemeClr val="lt1"/>
-              </a:solidFill>
-              <a:latin typeface="Arial"/>
-              <a:ea typeface="Arial"/>
-              <a:cs typeface="Arial"/>
-              <a:sym typeface="Arial"/>
-            </a:endParaRPr>
-          </a:p>
-        </p:txBody>
-      </p:sp>
-      <p:sp>
-        <p:nvSpPr>
-          <p:cNvPr id="247" name="Google Shape;247;p27"/>
-          <p:cNvSpPr txBox="1"/>
-          <p:nvPr/>
-        </p:nvSpPr>
-        <p:spPr>
-          <a:xfrm>
-            <a:off x="0" y="3219880"/>
-            <a:ext cx="43891199" cy="1046651"/>
-          </a:xfrm>
-          <a:prstGeom prst="rect">
-            <a:avLst/>
-          </a:prstGeom>
-          <a:noFill/>
-          <a:ln w="9525" cap="flat" cmpd="sng">
-            <a:solidFill>
-              <a:srgbClr val="840F0E"/>
-            </a:solidFill>
-            <a:prstDash val="solid"/>
-            <a:round/>
-            <a:headEnd type="none" w="sm" len="sm"/>
-            <a:tailEnd type="none" w="sm" len="sm"/>
-          </a:ln>
-        </p:spPr>
-        <p:txBody>
-          <a:bodyPr spcFirstLastPara="1" wrap="square" lIns="91425" tIns="45700" rIns="91425" bIns="45700" anchor="t" anchorCtr="0">
-            <a:spAutoFit/>
-          </a:bodyPr>
-          <a:lstStyle/>
-          <a:p>
-            <a:pPr marL="0" marR="0" lvl="0" indent="0" algn="ctr" rtl="0">
-              <a:spcBef>
-                <a:spcPts val="0"/>
-              </a:spcBef>
-              <a:spcAft>
-                <a:spcPts val="0"/>
-              </a:spcAft>
-              <a:buNone/>
+            <a:r>
+              <a:rPr lang="en-US" dirty="0"/>
+              <a:t>The data was then filtered and grouped by the Taxonomy level 2 codes.</a:t>
+            </a:r>
+          </a:p>
+          <a:p>
+            <a:pPr marL="2103149" lvl="1" indent="-1158268">
+              <a:spcBef>
+                <a:spcPts val="0"/>
+              </a:spcBef>
+              <a:buSzPts val="7680"/>
             </a:pPr>
-            <a:endParaRPr sz="6000" b="1">
-              <a:solidFill>
-                <a:schemeClr val="dk1"/>
-              </a:solidFill>
-              <a:latin typeface="Arial"/>
-              <a:ea typeface="Arial"/>
-              <a:cs typeface="Arial"/>
-              <a:sym typeface="Arial"/>
-            </a:endParaRPr>
+            <a:r>
+              <a:rPr lang="en-US" dirty="0"/>
+              <a:t>Where needed the data was then value encoded.</a:t>
+            </a:r>
           </a:p>
         </p:txBody>
       </p:sp>
       <p:pic>
         <p:nvPicPr>
-          <p:cNvPr id="248" name="Google Shape;248;p27"/>
-          <p:cNvPicPr preferRelativeResize="0"/>
+          <p:cNvPr id="4" name="Picture 3" descr="Graphical user interface, text&#10;&#10;Description automatically generated">
+            <a:extLst>
+              <a:ext uri="{FF2B5EF4-FFF2-40B4-BE49-F238E27FC236}">
+                <a16:creationId xmlns:a16="http://schemas.microsoft.com/office/drawing/2014/main" id="{295A0C02-35BB-4E1E-8496-C36A18487037}"/>
+              </a:ext>
+            </a:extLst>
+          </p:cNvPr>
+          <p:cNvPicPr>
+            <a:picLocks noChangeAspect="1"/>
+          </p:cNvPicPr>
           <p:nvPr/>
         </p:nvPicPr>
-        <p:blipFill rotWithShape="1">
-          <a:blip r:embed="rId3">
-            <a:alphaModFix/>
-          </a:blip>
-          <a:srcRect/>
-          <a:stretch/>
+        <p:blipFill>
+          <a:blip r:embed="rId5"/>
+          <a:stretch>
+            <a:fillRect/>
+          </a:stretch>
         </p:blipFill>
         <p:spPr>
           <a:xfrm>
-            <a:off x="3017520" y="30318822"/>
-            <a:ext cx="8309872" cy="2084914"/>
+            <a:off x="22037040" y="7273053"/>
+            <a:ext cx="14333579" cy="5678302"/>
           </a:xfrm>
           <a:prstGeom prst="rect">
             <a:avLst/>
           </a:prstGeom>
-          <a:noFill/>
-          <a:ln>
-            <a:noFill/>
-          </a:ln>
         </p:spPr>
       </p:pic>
       <p:pic>
         <p:nvPicPr>
-          <p:cNvPr id="249" name="Google Shape;249;p27"/>
-          <p:cNvPicPr preferRelativeResize="0"/>
+          <p:cNvPr id="7" name="Picture 6" descr="Chart, bar chart, histogram&#10;&#10;Description automatically generated">
+            <a:extLst>
+              <a:ext uri="{FF2B5EF4-FFF2-40B4-BE49-F238E27FC236}">
+                <a16:creationId xmlns:a16="http://schemas.microsoft.com/office/drawing/2014/main" id="{DD369E1D-2434-43A5-BA77-3077B3CC89DF}"/>
+              </a:ext>
+            </a:extLst>
+          </p:cNvPr>
+          <p:cNvPicPr>
+            <a:picLocks noChangeAspect="1"/>
+          </p:cNvPicPr>
           <p:nvPr/>
         </p:nvPicPr>
-        <p:blipFill rotWithShape="1">
-          <a:blip r:embed="rId4">
-            <a:alphaModFix/>
-          </a:blip>
-          <a:srcRect/>
-          <a:stretch/>
+        <p:blipFill>
+          <a:blip r:embed="rId6"/>
+          <a:stretch>
+            <a:fillRect/>
+          </a:stretch>
         </p:blipFill>
         <p:spPr>
           <a:xfrm>
-            <a:off x="1257706" y="514663"/>
-            <a:ext cx="4337271" cy="3346137"/>
+            <a:off x="22037040" y="13566578"/>
+            <a:ext cx="14333579" cy="17623991"/>
           </a:xfrm>
           <a:prstGeom prst="rect">
             <a:avLst/>
           </a:prstGeom>
-          <a:noFill/>
-          <a:ln>
-            <a:noFill/>
-          </a:ln>
         </p:spPr>
       </p:pic>
-      <p:sp>
-        <p:nvSpPr>
-          <p:cNvPr id="250" name="Google Shape;250;p27"/>
-          <p:cNvSpPr txBox="1">
-            <a:spLocks noGrp="1"/>
-          </p:cNvSpPr>
-          <p:nvPr>
-            <p:ph type="title"/>
-          </p:nvPr>
-        </p:nvSpPr>
-        <p:spPr>
-          <a:xfrm>
-            <a:off x="6035040" y="213358"/>
-            <a:ext cx="32004001" cy="4175762"/>
-          </a:xfrm>
-          <a:prstGeom prst="rect">
-            <a:avLst/>
-          </a:prstGeom>
-          <a:noFill/>
-          <a:ln>
-            <a:noFill/>
-          </a:ln>
-        </p:spPr>
-        <p:txBody>
-          <a:bodyPr spcFirstLastPara="1" wrap="square" lIns="91425" tIns="45700" rIns="91425" bIns="45700" anchor="t" anchorCtr="0">
-            <a:normAutofit/>
-          </a:bodyPr>
-          <a:lstStyle/>
-          <a:p>
-            <a:pPr marL="0" lvl="0" indent="0" algn="ctr" rtl="0">
-              <a:spcBef>
-                <a:spcPts val="0"/>
-              </a:spcBef>
-              <a:spcAft>
-                <a:spcPts val="0"/>
-              </a:spcAft>
-              <a:buClr>
-                <a:schemeClr val="lt2"/>
-              </a:buClr>
-              <a:buSzPts val="20100"/>
-              <a:buFont typeface="Times New Roman"/>
-              <a:buNone/>
-            </a:pPr>
-            <a:r>
-              <a:rPr lang="en-US" b="1" i="1">
-                <a:latin typeface="Times New Roman"/>
-                <a:ea typeface="Times New Roman"/>
-                <a:cs typeface="Times New Roman"/>
-                <a:sym typeface="Times New Roman"/>
-              </a:rPr>
-              <a:t>Interpretation</a:t>
-            </a:r>
-            <a:endParaRPr/>
-          </a:p>
-        </p:txBody>
-      </p:sp>
-      <p:sp>
-        <p:nvSpPr>
-          <p:cNvPr id="251" name="Google Shape;251;p27"/>
-          <p:cNvSpPr txBox="1">
-            <a:spLocks noGrp="1"/>
-          </p:cNvSpPr>
-          <p:nvPr>
-            <p:ph type="body" idx="1"/>
-          </p:nvPr>
-        </p:nvSpPr>
-        <p:spPr>
-          <a:xfrm>
-            <a:off x="3017520" y="6080760"/>
-            <a:ext cx="37856160" cy="22265639"/>
-          </a:xfrm>
-          <a:prstGeom prst="rect">
-            <a:avLst/>
-          </a:prstGeom>
-          <a:noFill/>
-          <a:ln>
-            <a:noFill/>
-          </a:ln>
-        </p:spPr>
-        <p:txBody>
-          <a:bodyPr spcFirstLastPara="1" wrap="square" lIns="91425" tIns="45700" rIns="91425" bIns="45700" anchor="t" anchorCtr="0">
-            <a:normAutofit/>
-          </a:bodyPr>
-          <a:lstStyle/>
-          <a:p>
-            <a:pPr marL="1645949" lvl="0" indent="-1158268" algn="l" rtl="0">
-              <a:spcBef>
-                <a:spcPts val="0"/>
-              </a:spcBef>
-              <a:spcAft>
-                <a:spcPts val="0"/>
-              </a:spcAft>
-              <a:buSzPts val="7680"/>
-              <a:buNone/>
-            </a:pPr>
-            <a:endParaRPr/>
-          </a:p>
-        </p:txBody>
-      </p:sp>
     </p:spTree>
+    <p:extLst>
+      <p:ext uri="{BB962C8B-B14F-4D97-AF65-F5344CB8AC3E}">
+        <p14:creationId xmlns:p14="http://schemas.microsoft.com/office/powerpoint/2010/main" val="537214827"/>
+      </p:ext>
+    </p:extLst>
   </p:cSld>
   <p:clrMapOvr>
     <a:masterClrMapping/>
